--- a/קודים לשימוש כללי.pptx
+++ b/קודים לשימוש כללי.pptx
@@ -9,7 +9,15 @@
     <p:sldId id="257" r:id="rId3"/>
     <p:sldId id="258" r:id="rId4"/>
     <p:sldId id="259" r:id="rId5"/>
-    <p:sldId id="260" r:id="rId6"/>
+    <p:sldId id="268" r:id="rId6"/>
+    <p:sldId id="260" r:id="rId7"/>
+    <p:sldId id="263" r:id="rId8"/>
+    <p:sldId id="261" r:id="rId9"/>
+    <p:sldId id="264" r:id="rId10"/>
+    <p:sldId id="265" r:id="rId11"/>
+    <p:sldId id="262" r:id="rId12"/>
+    <p:sldId id="266" r:id="rId13"/>
+    <p:sldId id="267" r:id="rId14"/>
   </p:sldIdLst>
   <p:sldSz cx="12192000" cy="6858000"/>
   <p:notesSz cx="6858000" cy="9144000"/>
@@ -108,6 +116,11 @@
       </a:defRPr>
     </a:lvl9pPr>
   </p:defaultTextStyle>
+  <p:extLst>
+    <p:ext uri="{EFAFB233-063F-42B5-8137-9DF3F51BA10A}">
+      <p15:sldGuideLst xmlns:p15="http://schemas.microsoft.com/office/powerpoint/2012/main"/>
+    </p:ext>
+  </p:extLst>
 </p:presentation>
 </file>
 
@@ -337,7 +350,7 @@
           <a:p>
             <a:fld id="{778B956D-823B-4AFA-AFAA-8233AD409AAA}" type="datetimeFigureOut">
               <a:rPr lang="en-US" smtClean="0"/>
-              <a:t>5/15/2024</a:t>
+              <a:t>6/19/2024</a:t>
             </a:fld>
             <a:endParaRPr lang="en-US"/>
           </a:p>
@@ -545,7 +558,7 @@
           <a:p>
             <a:fld id="{778B956D-823B-4AFA-AFAA-8233AD409AAA}" type="datetimeFigureOut">
               <a:rPr lang="en-US" smtClean="0"/>
-              <a:t>5/15/2024</a:t>
+              <a:t>6/19/2024</a:t>
             </a:fld>
             <a:endParaRPr lang="en-US"/>
           </a:p>
@@ -801,7 +814,7 @@
           <a:p>
             <a:fld id="{778B956D-823B-4AFA-AFAA-8233AD409AAA}" type="datetimeFigureOut">
               <a:rPr lang="en-US" smtClean="0"/>
-              <a:t>5/15/2024</a:t>
+              <a:t>6/19/2024</a:t>
             </a:fld>
             <a:endParaRPr lang="en-US"/>
           </a:p>
@@ -971,7 +984,7 @@
           <a:p>
             <a:fld id="{778B956D-823B-4AFA-AFAA-8233AD409AAA}" type="datetimeFigureOut">
               <a:rPr lang="en-US" smtClean="0"/>
-              <a:t>5/15/2024</a:t>
+              <a:t>6/19/2024</a:t>
             </a:fld>
             <a:endParaRPr lang="en-US"/>
           </a:p>
@@ -1314,7 +1327,7 @@
           <a:p>
             <a:fld id="{778B956D-823B-4AFA-AFAA-8233AD409AAA}" type="datetimeFigureOut">
               <a:rPr lang="en-US" smtClean="0"/>
-              <a:t>5/15/2024</a:t>
+              <a:t>6/19/2024</a:t>
             </a:fld>
             <a:endParaRPr lang="en-US"/>
           </a:p>
@@ -1589,7 +1602,7 @@
           <a:p>
             <a:fld id="{778B956D-823B-4AFA-AFAA-8233AD409AAA}" type="datetimeFigureOut">
               <a:rPr lang="en-US" smtClean="0"/>
-              <a:t>5/15/2024</a:t>
+              <a:t>6/19/2024</a:t>
             </a:fld>
             <a:endParaRPr lang="en-US"/>
           </a:p>
@@ -1968,7 +1981,7 @@
           <a:p>
             <a:fld id="{778B956D-823B-4AFA-AFAA-8233AD409AAA}" type="datetimeFigureOut">
               <a:rPr lang="en-US" smtClean="0"/>
-              <a:t>5/15/2024</a:t>
+              <a:t>6/19/2024</a:t>
             </a:fld>
             <a:endParaRPr lang="en-US"/>
           </a:p>
@@ -2086,7 +2099,7 @@
           <a:p>
             <a:fld id="{778B956D-823B-4AFA-AFAA-8233AD409AAA}" type="datetimeFigureOut">
               <a:rPr lang="en-US" smtClean="0"/>
-              <a:t>5/15/2024</a:t>
+              <a:t>6/19/2024</a:t>
             </a:fld>
             <a:endParaRPr lang="en-US"/>
           </a:p>
@@ -2257,7 +2270,7 @@
           <a:p>
             <a:fld id="{778B956D-823B-4AFA-AFAA-8233AD409AAA}" type="datetimeFigureOut">
               <a:rPr lang="en-US" smtClean="0"/>
-              <a:t>5/15/2024</a:t>
+              <a:t>6/19/2024</a:t>
             </a:fld>
             <a:endParaRPr lang="en-US"/>
           </a:p>
@@ -2611,7 +2624,7 @@
           <a:p>
             <a:fld id="{778B956D-823B-4AFA-AFAA-8233AD409AAA}" type="datetimeFigureOut">
               <a:rPr lang="en-US" smtClean="0"/>
-              <a:t>5/15/2024</a:t>
+              <a:t>6/19/2024</a:t>
             </a:fld>
             <a:endParaRPr lang="en-US"/>
           </a:p>
@@ -2988,7 +3001,7 @@
           <a:p>
             <a:fld id="{778B956D-823B-4AFA-AFAA-8233AD409AAA}" type="datetimeFigureOut">
               <a:rPr lang="en-US" smtClean="0"/>
-              <a:t>5/15/2024</a:t>
+              <a:t>6/19/2024</a:t>
             </a:fld>
             <a:endParaRPr lang="en-US"/>
           </a:p>
@@ -3275,7 +3288,7 @@
           <a:p>
             <a:fld id="{778B956D-823B-4AFA-AFAA-8233AD409AAA}" type="datetimeFigureOut">
               <a:rPr lang="en-US" smtClean="0"/>
-              <a:t>5/15/2024</a:t>
+              <a:t>6/19/2024</a:t>
             </a:fld>
             <a:endParaRPr lang="en-US"/>
           </a:p>
@@ -3894,6 +3907,981 @@
 </p:sld>
 </file>
 
+<file path=ppt/slides/slide10.xml><?xml version="1.0" encoding="utf-8"?>
+<p:sld xmlns:a="http://schemas.openxmlformats.org/drawingml/2006/main" xmlns:r="http://schemas.openxmlformats.org/officeDocument/2006/relationships" xmlns:p="http://schemas.openxmlformats.org/presentationml/2006/main">
+  <p:cSld>
+    <p:spTree>
+      <p:nvGrpSpPr>
+        <p:cNvPr id="1" name=""/>
+        <p:cNvGrpSpPr/>
+        <p:nvPr/>
+      </p:nvGrpSpPr>
+      <p:grpSpPr>
+        <a:xfrm>
+          <a:off x="0" y="0"/>
+          <a:ext cx="0" cy="0"/>
+          <a:chOff x="0" y="0"/>
+          <a:chExt cx="0" cy="0"/>
+        </a:xfrm>
+      </p:grpSpPr>
+      <p:sp>
+        <p:nvSpPr>
+          <p:cNvPr id="4" name="מלבן 3"/>
+          <p:cNvSpPr/>
+          <p:nvPr/>
+        </p:nvSpPr>
+        <p:spPr>
+          <a:xfrm>
+            <a:off x="6961437" y="2798913"/>
+            <a:ext cx="6096000" cy="923330"/>
+          </a:xfrm>
+          <a:prstGeom prst="rect">
+            <a:avLst/>
+          </a:prstGeom>
+        </p:spPr>
+        <p:txBody>
+          <a:bodyPr>
+            <a:spAutoFit/>
+          </a:bodyPr>
+          <a:lstStyle/>
+          <a:p>
+            <a:r>
+              <a:rPr lang="en-US" dirty="0"/>
+              <a:t>GetParameters;13,6,1,0,4000,5,1,14</a:t>
+            </a:r>
+          </a:p>
+          <a:p>
+            <a:endParaRPr lang="en-US" dirty="0"/>
+          </a:p>
+          <a:p>
+            <a:r>
+              <a:rPr lang="en-US" dirty="0"/>
+              <a:t>GetMonitoringLaser;13,5,0,No Errors,-1,13,31</a:t>
+            </a:r>
+          </a:p>
+        </p:txBody>
+      </p:sp>
+      <p:pic>
+        <p:nvPicPr>
+          <p:cNvPr id="5" name="תמונה 4"/>
+          <p:cNvPicPr>
+            <a:picLocks noChangeAspect="1"/>
+          </p:cNvPicPr>
+          <p:nvPr/>
+        </p:nvPicPr>
+        <p:blipFill>
+          <a:blip r:embed="rId2"/>
+          <a:stretch>
+            <a:fillRect/>
+          </a:stretch>
+        </p:blipFill>
+        <p:spPr>
+          <a:xfrm>
+            <a:off x="429055" y="1881809"/>
+            <a:ext cx="6532382" cy="3289095"/>
+          </a:xfrm>
+          <a:prstGeom prst="rect">
+            <a:avLst/>
+          </a:prstGeom>
+        </p:spPr>
+      </p:pic>
+      <p:sp>
+        <p:nvSpPr>
+          <p:cNvPr id="6" name="מלבן 5"/>
+          <p:cNvSpPr/>
+          <p:nvPr/>
+        </p:nvSpPr>
+        <p:spPr>
+          <a:xfrm>
+            <a:off x="3597966" y="1082228"/>
+            <a:ext cx="7438445" cy="646331"/>
+          </a:xfrm>
+          <a:prstGeom prst="rect">
+            <a:avLst/>
+          </a:prstGeom>
+        </p:spPr>
+        <p:txBody>
+          <a:bodyPr wrap="square">
+            <a:spAutoFit/>
+          </a:bodyPr>
+          <a:lstStyle/>
+          <a:p>
+            <a:pPr algn="r" rtl="1"/>
+            <a:r>
+              <a:rPr lang="he-IL" dirty="0"/>
+              <a:t>2. לחיצה על </a:t>
+            </a:r>
+            <a:r>
+              <a:rPr lang="en-US" dirty="0"/>
+              <a:t>FireHighOn.bat</a:t>
+            </a:r>
+            <a:r>
+              <a:rPr lang="he-IL" dirty="0"/>
+              <a:t> שקול להפעלת </a:t>
+            </a:r>
+            <a:r>
+              <a:rPr lang="he-IL" dirty="0" err="1"/>
+              <a:t>אינטרלוק</a:t>
+            </a:r>
+            <a:r>
+              <a:rPr lang="he-IL" dirty="0"/>
+              <a:t> על הרמה הגבוהה</a:t>
+            </a:r>
+          </a:p>
+          <a:p>
+            <a:pPr marL="457200" indent="-457200" algn="r" rtl="1">
+              <a:buAutoNum type="arabicPeriod"/>
+            </a:pPr>
+            <a:endParaRPr lang="he-IL" dirty="0"/>
+          </a:p>
+        </p:txBody>
+      </p:sp>
+      <p:cxnSp>
+        <p:nvCxnSpPr>
+          <p:cNvPr id="7" name="מחבר חץ ישר 6"/>
+          <p:cNvCxnSpPr>
+            <a:endCxn id="8" idx="0"/>
+          </p:cNvCxnSpPr>
+          <p:nvPr/>
+        </p:nvCxnSpPr>
+        <p:spPr>
+          <a:xfrm flipH="1">
+            <a:off x="10472447" y="3764555"/>
+            <a:ext cx="457864" cy="316982"/>
+          </a:xfrm>
+          <a:prstGeom prst="straightConnector1">
+            <a:avLst/>
+          </a:prstGeom>
+          <a:ln>
+            <a:tailEnd type="triangle"/>
+          </a:ln>
+        </p:spPr>
+        <p:style>
+          <a:lnRef idx="1">
+            <a:schemeClr val="accent1"/>
+          </a:lnRef>
+          <a:fillRef idx="0">
+            <a:schemeClr val="accent1"/>
+          </a:fillRef>
+          <a:effectRef idx="0">
+            <a:schemeClr val="accent1"/>
+          </a:effectRef>
+          <a:fontRef idx="minor">
+            <a:schemeClr val="tx1"/>
+          </a:fontRef>
+        </p:style>
+      </p:cxnSp>
+      <p:sp>
+        <p:nvSpPr>
+          <p:cNvPr id="8" name="מלבן 7"/>
+          <p:cNvSpPr/>
+          <p:nvPr/>
+        </p:nvSpPr>
+        <p:spPr>
+          <a:xfrm>
+            <a:off x="10005391" y="4081537"/>
+            <a:ext cx="934111" cy="371590"/>
+          </a:xfrm>
+          <a:prstGeom prst="rect">
+            <a:avLst/>
+          </a:prstGeom>
+        </p:spPr>
+        <p:txBody>
+          <a:bodyPr wrap="square">
+            <a:spAutoFit/>
+          </a:bodyPr>
+          <a:lstStyle/>
+          <a:p>
+            <a:r>
+              <a:rPr lang="he-IL" dirty="0" smtClean="0"/>
+              <a:t>11</a:t>
+            </a:r>
+            <a:r>
+              <a:rPr lang="he-IL" b="1" dirty="0" smtClean="0">
+                <a:solidFill>
+                  <a:srgbClr val="FF0000"/>
+                </a:solidFill>
+              </a:rPr>
+              <a:t>0</a:t>
+            </a:r>
+            <a:r>
+              <a:rPr lang="he-IL" dirty="0" smtClean="0"/>
+              <a:t>1</a:t>
+            </a:r>
+            <a:endParaRPr lang="en-US" dirty="0"/>
+          </a:p>
+        </p:txBody>
+      </p:sp>
+      <p:sp>
+        <p:nvSpPr>
+          <p:cNvPr id="9" name="מלבן 8"/>
+          <p:cNvSpPr/>
+          <p:nvPr/>
+        </p:nvSpPr>
+        <p:spPr>
+          <a:xfrm>
+            <a:off x="11030942" y="4083795"/>
+            <a:ext cx="755335" cy="369332"/>
+          </a:xfrm>
+          <a:prstGeom prst="rect">
+            <a:avLst/>
+          </a:prstGeom>
+        </p:spPr>
+        <p:txBody>
+          <a:bodyPr wrap="none">
+            <a:spAutoFit/>
+          </a:bodyPr>
+          <a:lstStyle/>
+          <a:p>
+            <a:r>
+              <a:rPr lang="he-IL" dirty="0" smtClean="0"/>
+              <a:t>11111</a:t>
+            </a:r>
+            <a:endParaRPr lang="en-US" dirty="0"/>
+          </a:p>
+        </p:txBody>
+      </p:sp>
+      <p:cxnSp>
+        <p:nvCxnSpPr>
+          <p:cNvPr id="10" name="מחבר חץ ישר 9"/>
+          <p:cNvCxnSpPr>
+            <a:endCxn id="9" idx="0"/>
+          </p:cNvCxnSpPr>
+          <p:nvPr/>
+        </p:nvCxnSpPr>
+        <p:spPr>
+          <a:xfrm>
+            <a:off x="11115924" y="3764555"/>
+            <a:ext cx="292686" cy="319240"/>
+          </a:xfrm>
+          <a:prstGeom prst="straightConnector1">
+            <a:avLst/>
+          </a:prstGeom>
+          <a:ln>
+            <a:tailEnd type="triangle"/>
+          </a:ln>
+        </p:spPr>
+        <p:style>
+          <a:lnRef idx="1">
+            <a:schemeClr val="accent1"/>
+          </a:lnRef>
+          <a:fillRef idx="0">
+            <a:schemeClr val="accent1"/>
+          </a:fillRef>
+          <a:effectRef idx="0">
+            <a:schemeClr val="accent1"/>
+          </a:effectRef>
+          <a:fontRef idx="minor">
+            <a:schemeClr val="tx1"/>
+          </a:fontRef>
+        </p:style>
+      </p:cxnSp>
+      <p:pic>
+        <p:nvPicPr>
+          <p:cNvPr id="12" name="תמונה 11"/>
+          <p:cNvPicPr>
+            <a:picLocks noChangeAspect="1"/>
+          </p:cNvPicPr>
+          <p:nvPr/>
+        </p:nvPicPr>
+        <p:blipFill>
+          <a:blip r:embed="rId3"/>
+          <a:stretch>
+            <a:fillRect/>
+          </a:stretch>
+        </p:blipFill>
+        <p:spPr>
+          <a:xfrm>
+            <a:off x="7317188" y="4639347"/>
+            <a:ext cx="4724809" cy="1836579"/>
+          </a:xfrm>
+          <a:prstGeom prst="rect">
+            <a:avLst/>
+          </a:prstGeom>
+        </p:spPr>
+      </p:pic>
+    </p:spTree>
+    <p:extLst>
+      <p:ext uri="{BB962C8B-B14F-4D97-AF65-F5344CB8AC3E}">
+        <p14:creationId xmlns:p14="http://schemas.microsoft.com/office/powerpoint/2010/main" val="1137035725"/>
+      </p:ext>
+    </p:extLst>
+  </p:cSld>
+  <p:clrMapOvr>
+    <a:masterClrMapping/>
+  </p:clrMapOvr>
+</p:sld>
+</file>
+
+<file path=ppt/slides/slide11.xml><?xml version="1.0" encoding="utf-8"?>
+<p:sld xmlns:a="http://schemas.openxmlformats.org/drawingml/2006/main" xmlns:r="http://schemas.openxmlformats.org/officeDocument/2006/relationships" xmlns:p="http://schemas.openxmlformats.org/presentationml/2006/main">
+  <p:cSld>
+    <p:spTree>
+      <p:nvGrpSpPr>
+        <p:cNvPr id="1" name=""/>
+        <p:cNvGrpSpPr/>
+        <p:nvPr/>
+      </p:nvGrpSpPr>
+      <p:grpSpPr>
+        <a:xfrm>
+          <a:off x="0" y="0"/>
+          <a:ext cx="0" cy="0"/>
+          <a:chOff x="0" y="0"/>
+          <a:chExt cx="0" cy="0"/>
+        </a:xfrm>
+      </p:grpSpPr>
+      <p:sp>
+        <p:nvSpPr>
+          <p:cNvPr id="5" name="מציין מיקום תוכן 4"/>
+          <p:cNvSpPr>
+            <a:spLocks noGrp="1"/>
+          </p:cNvSpPr>
+          <p:nvPr>
+            <p:ph idx="1"/>
+          </p:nvPr>
+        </p:nvSpPr>
+        <p:spPr>
+          <a:xfrm>
+            <a:off x="1152991" y="1288142"/>
+            <a:ext cx="10058400" cy="4023360"/>
+          </a:xfrm>
+        </p:spPr>
+        <p:txBody>
+          <a:bodyPr/>
+          <a:lstStyle/>
+          <a:p>
+            <a:pPr algn="r" rtl="1"/>
+            <a:r>
+              <a:rPr lang="he-IL" dirty="0" smtClean="0"/>
+              <a:t>מעבר למצב מוכנות </a:t>
+            </a:r>
+            <a:r>
+              <a:rPr lang="he-IL" dirty="0" err="1" smtClean="0"/>
+              <a:t>ללזירה</a:t>
+            </a:r>
+            <a:endParaRPr lang="he-IL" dirty="0" smtClean="0"/>
+          </a:p>
+          <a:p>
+            <a:pPr algn="r" rtl="1"/>
+            <a:r>
+              <a:rPr lang="he-IL" dirty="0" smtClean="0"/>
+              <a:t>בשלושת </a:t>
+            </a:r>
+            <a:r>
+              <a:rPr lang="he-IL" dirty="0" smtClean="0"/>
+              <a:t>השקופיות הקודמות </a:t>
+            </a:r>
+            <a:r>
+              <a:rPr lang="he-IL" dirty="0" smtClean="0"/>
+              <a:t>ה </a:t>
+            </a:r>
+            <a:r>
+              <a:rPr lang="en-US" dirty="0" smtClean="0"/>
+              <a:t>Ready</a:t>
+            </a:r>
+            <a:r>
+              <a:rPr lang="he-IL" dirty="0" smtClean="0"/>
+              <a:t>  לא דלוק בירוק</a:t>
+            </a:r>
+            <a:endParaRPr lang="he-IL" dirty="0" smtClean="0"/>
+          </a:p>
+          <a:p>
+            <a:pPr algn="r" rtl="1"/>
+            <a:r>
+              <a:rPr lang="he-IL" dirty="0" smtClean="0"/>
+              <a:t>רק אחרי שאני לוחצת על </a:t>
+            </a:r>
+            <a:r>
+              <a:rPr lang="en-US" dirty="0" smtClean="0"/>
+              <a:t>Finish selection and </a:t>
+            </a:r>
+            <a:r>
+              <a:rPr lang="en-US" dirty="0" err="1" smtClean="0"/>
+              <a:t>countiniu</a:t>
+            </a:r>
+            <a:r>
+              <a:rPr lang="en-US" dirty="0" smtClean="0"/>
+              <a:t> </a:t>
+            </a:r>
+            <a:r>
+              <a:rPr lang="he-IL" dirty="0" smtClean="0"/>
+              <a:t>   בסימולטור </a:t>
+            </a:r>
+            <a:endParaRPr lang="he-IL" dirty="0" smtClean="0"/>
+          </a:p>
+          <a:p>
+            <a:pPr algn="r" rtl="1"/>
+            <a:r>
+              <a:rPr lang="he-IL" dirty="0" smtClean="0">
+                <a:solidFill>
+                  <a:schemeClr val="tx1"/>
+                </a:solidFill>
+              </a:rPr>
+              <a:t>או לחילופין מפעילה את הפונקציה </a:t>
+            </a:r>
+            <a:r>
+              <a:rPr lang="en-US" dirty="0" err="1" smtClean="0">
+                <a:solidFill>
+                  <a:schemeClr val="tx1"/>
+                </a:solidFill>
+              </a:rPr>
+              <a:t>interlock_up</a:t>
+            </a:r>
+            <a:endParaRPr lang="en-US" dirty="0" smtClean="0">
+              <a:solidFill>
+                <a:schemeClr val="tx1"/>
+              </a:solidFill>
+            </a:endParaRPr>
+          </a:p>
+          <a:p>
+            <a:pPr algn="r" rtl="1"/>
+            <a:r>
+              <a:rPr lang="he-IL" dirty="0" smtClean="0">
+                <a:solidFill>
+                  <a:schemeClr val="tx1"/>
+                </a:solidFill>
+              </a:rPr>
+              <a:t>מגיעים למסך המוצג </a:t>
+            </a:r>
+            <a:r>
+              <a:rPr lang="he-IL" dirty="0" err="1" smtClean="0">
+                <a:solidFill>
+                  <a:schemeClr val="tx1"/>
+                </a:solidFill>
+              </a:rPr>
+              <a:t>וה</a:t>
+            </a:r>
+            <a:r>
+              <a:rPr lang="he-IL" dirty="0" smtClean="0">
+                <a:solidFill>
+                  <a:schemeClr val="tx1"/>
+                </a:solidFill>
+              </a:rPr>
+              <a:t> </a:t>
+            </a:r>
+            <a:r>
+              <a:rPr lang="en-US" dirty="0" smtClean="0">
+                <a:solidFill>
+                  <a:schemeClr val="tx1"/>
+                </a:solidFill>
+              </a:rPr>
+              <a:t>R</a:t>
+            </a:r>
+            <a:r>
+              <a:rPr lang="en-US" dirty="0" smtClean="0">
+                <a:solidFill>
+                  <a:schemeClr val="tx1"/>
+                </a:solidFill>
+              </a:rPr>
+              <a:t>eady </a:t>
+            </a:r>
+            <a:r>
+              <a:rPr lang="he-IL" dirty="0" smtClean="0">
+                <a:solidFill>
+                  <a:schemeClr val="tx1"/>
+                </a:solidFill>
+              </a:rPr>
+              <a:t> נדלק בירוק</a:t>
+            </a:r>
+            <a:endParaRPr lang="en-US" dirty="0">
+              <a:solidFill>
+                <a:schemeClr val="tx1"/>
+              </a:solidFill>
+            </a:endParaRPr>
+          </a:p>
+        </p:txBody>
+      </p:sp>
+      <p:sp>
+        <p:nvSpPr>
+          <p:cNvPr id="7" name="מלבן 6"/>
+          <p:cNvSpPr/>
+          <p:nvPr/>
+        </p:nvSpPr>
+        <p:spPr>
+          <a:xfrm>
+            <a:off x="6932664" y="4489320"/>
+            <a:ext cx="4411849" cy="369332"/>
+          </a:xfrm>
+          <a:prstGeom prst="rect">
+            <a:avLst/>
+          </a:prstGeom>
+        </p:spPr>
+        <p:txBody>
+          <a:bodyPr wrap="none">
+            <a:spAutoFit/>
+          </a:bodyPr>
+          <a:lstStyle/>
+          <a:p>
+            <a:r>
+              <a:rPr lang="en-US" dirty="0"/>
+              <a:t>GetMonitoringLaser;13,5,1,No Errors,0,15,31</a:t>
+            </a:r>
+          </a:p>
+        </p:txBody>
+      </p:sp>
+      <p:pic>
+        <p:nvPicPr>
+          <p:cNvPr id="8" name="תמונה 7"/>
+          <p:cNvPicPr>
+            <a:picLocks noChangeAspect="1"/>
+          </p:cNvPicPr>
+          <p:nvPr/>
+        </p:nvPicPr>
+        <p:blipFill>
+          <a:blip r:embed="rId2"/>
+          <a:stretch>
+            <a:fillRect/>
+          </a:stretch>
+        </p:blipFill>
+        <p:spPr>
+          <a:xfrm>
+            <a:off x="470794" y="3101874"/>
+            <a:ext cx="5980979" cy="3518452"/>
+          </a:xfrm>
+          <a:prstGeom prst="rect">
+            <a:avLst/>
+          </a:prstGeom>
+        </p:spPr>
+      </p:pic>
+      <p:cxnSp>
+        <p:nvCxnSpPr>
+          <p:cNvPr id="9" name="מחבר חץ ישר 8"/>
+          <p:cNvCxnSpPr>
+            <a:endCxn id="10" idx="0"/>
+          </p:cNvCxnSpPr>
+          <p:nvPr/>
+        </p:nvCxnSpPr>
+        <p:spPr>
+          <a:xfrm flipH="1">
+            <a:off x="10365860" y="4809854"/>
+            <a:ext cx="457864" cy="316982"/>
+          </a:xfrm>
+          <a:prstGeom prst="straightConnector1">
+            <a:avLst/>
+          </a:prstGeom>
+          <a:ln>
+            <a:tailEnd type="triangle"/>
+          </a:ln>
+        </p:spPr>
+        <p:style>
+          <a:lnRef idx="1">
+            <a:schemeClr val="accent1"/>
+          </a:lnRef>
+          <a:fillRef idx="0">
+            <a:schemeClr val="accent1"/>
+          </a:fillRef>
+          <a:effectRef idx="0">
+            <a:schemeClr val="accent1"/>
+          </a:effectRef>
+          <a:fontRef idx="minor">
+            <a:schemeClr val="tx1"/>
+          </a:fontRef>
+        </p:style>
+      </p:cxnSp>
+      <p:sp>
+        <p:nvSpPr>
+          <p:cNvPr id="10" name="מלבן 9"/>
+          <p:cNvSpPr/>
+          <p:nvPr/>
+        </p:nvSpPr>
+        <p:spPr>
+          <a:xfrm>
+            <a:off x="9898804" y="5126836"/>
+            <a:ext cx="934111" cy="371590"/>
+          </a:xfrm>
+          <a:prstGeom prst="rect">
+            <a:avLst/>
+          </a:prstGeom>
+        </p:spPr>
+        <p:txBody>
+          <a:bodyPr wrap="square">
+            <a:spAutoFit/>
+          </a:bodyPr>
+          <a:lstStyle/>
+          <a:p>
+            <a:r>
+              <a:rPr lang="he-IL" dirty="0" smtClean="0"/>
+              <a:t>1111</a:t>
+            </a:r>
+            <a:endParaRPr lang="en-US" dirty="0"/>
+          </a:p>
+        </p:txBody>
+      </p:sp>
+      <p:sp>
+        <p:nvSpPr>
+          <p:cNvPr id="11" name="מלבן 10"/>
+          <p:cNvSpPr/>
+          <p:nvPr/>
+        </p:nvSpPr>
+        <p:spPr>
+          <a:xfrm>
+            <a:off x="10958010" y="5126836"/>
+            <a:ext cx="755335" cy="369332"/>
+          </a:xfrm>
+          <a:prstGeom prst="rect">
+            <a:avLst/>
+          </a:prstGeom>
+        </p:spPr>
+        <p:txBody>
+          <a:bodyPr wrap="none">
+            <a:spAutoFit/>
+          </a:bodyPr>
+          <a:lstStyle/>
+          <a:p>
+            <a:r>
+              <a:rPr lang="he-IL" dirty="0" smtClean="0"/>
+              <a:t>11111</a:t>
+            </a:r>
+            <a:endParaRPr lang="en-US" dirty="0"/>
+          </a:p>
+        </p:txBody>
+      </p:sp>
+      <p:cxnSp>
+        <p:nvCxnSpPr>
+          <p:cNvPr id="12" name="מחבר חץ ישר 11"/>
+          <p:cNvCxnSpPr>
+            <a:endCxn id="11" idx="0"/>
+          </p:cNvCxnSpPr>
+          <p:nvPr/>
+        </p:nvCxnSpPr>
+        <p:spPr>
+          <a:xfrm>
+            <a:off x="11087104" y="4834348"/>
+            <a:ext cx="248574" cy="292488"/>
+          </a:xfrm>
+          <a:prstGeom prst="straightConnector1">
+            <a:avLst/>
+          </a:prstGeom>
+          <a:ln>
+            <a:tailEnd type="triangle"/>
+          </a:ln>
+        </p:spPr>
+        <p:style>
+          <a:lnRef idx="1">
+            <a:schemeClr val="accent1"/>
+          </a:lnRef>
+          <a:fillRef idx="0">
+            <a:schemeClr val="accent1"/>
+          </a:fillRef>
+          <a:effectRef idx="0">
+            <a:schemeClr val="accent1"/>
+          </a:effectRef>
+          <a:fontRef idx="minor">
+            <a:schemeClr val="tx1"/>
+          </a:fontRef>
+        </p:style>
+      </p:cxnSp>
+    </p:spTree>
+    <p:extLst>
+      <p:ext uri="{BB962C8B-B14F-4D97-AF65-F5344CB8AC3E}">
+        <p14:creationId xmlns:p14="http://schemas.microsoft.com/office/powerpoint/2010/main" val="4016079320"/>
+      </p:ext>
+    </p:extLst>
+  </p:cSld>
+  <p:clrMapOvr>
+    <a:masterClrMapping/>
+  </p:clrMapOvr>
+</p:sld>
+</file>
+
+<file path=ppt/slides/slide12.xml><?xml version="1.0" encoding="utf-8"?>
+<p:sld xmlns:a="http://schemas.openxmlformats.org/drawingml/2006/main" xmlns:r="http://schemas.openxmlformats.org/officeDocument/2006/relationships" xmlns:p="http://schemas.openxmlformats.org/presentationml/2006/main">
+  <p:cSld>
+    <p:spTree>
+      <p:nvGrpSpPr>
+        <p:cNvPr id="1" name=""/>
+        <p:cNvGrpSpPr/>
+        <p:nvPr/>
+      </p:nvGrpSpPr>
+      <p:grpSpPr>
+        <a:xfrm>
+          <a:off x="0" y="0"/>
+          <a:ext cx="0" cy="0"/>
+          <a:chOff x="0" y="0"/>
+          <a:chExt cx="0" cy="0"/>
+        </a:xfrm>
+      </p:grpSpPr>
+      <p:sp>
+        <p:nvSpPr>
+          <p:cNvPr id="2" name="כותרת 1"/>
+          <p:cNvSpPr>
+            <a:spLocks noGrp="1"/>
+          </p:cNvSpPr>
+          <p:nvPr>
+            <p:ph type="title"/>
+          </p:nvPr>
+        </p:nvSpPr>
+        <p:spPr/>
+        <p:txBody>
+          <a:bodyPr/>
+          <a:lstStyle/>
+          <a:p>
+            <a:endParaRPr lang="en-US" dirty="0"/>
+          </a:p>
+        </p:txBody>
+      </p:sp>
+      <p:sp>
+        <p:nvSpPr>
+          <p:cNvPr id="3" name="מציין מיקום תוכן 2"/>
+          <p:cNvSpPr>
+            <a:spLocks noGrp="1"/>
+          </p:cNvSpPr>
+          <p:nvPr>
+            <p:ph idx="1"/>
+          </p:nvPr>
+        </p:nvSpPr>
+        <p:spPr/>
+        <p:txBody>
+          <a:bodyPr/>
+          <a:lstStyle/>
+          <a:p>
+            <a:pPr algn="r" rtl="1"/>
+            <a:r>
+              <a:rPr lang="he-IL" dirty="0" smtClean="0"/>
+              <a:t>להדלקה סופית של הערוץ </a:t>
+            </a:r>
+          </a:p>
+          <a:p>
+            <a:pPr algn="r" rtl="1"/>
+            <a:r>
+              <a:rPr lang="he-IL" dirty="0" smtClean="0"/>
+              <a:t>הרצת הפונקציה </a:t>
+            </a:r>
+            <a:r>
+              <a:rPr lang="en-US" dirty="0" err="1"/>
+              <a:t>activate_low</a:t>
+            </a:r>
+            <a:r>
+              <a:rPr lang="en-US" dirty="0"/>
+              <a:t>()</a:t>
+            </a:r>
+          </a:p>
+          <a:p>
+            <a:pPr algn="r" rtl="1"/>
+            <a:endParaRPr lang="en-US" dirty="0"/>
+          </a:p>
+        </p:txBody>
+      </p:sp>
+      <p:sp>
+        <p:nvSpPr>
+          <p:cNvPr id="4" name="מלבן 3"/>
+          <p:cNvSpPr/>
+          <p:nvPr/>
+        </p:nvSpPr>
+        <p:spPr>
+          <a:xfrm>
+            <a:off x="7398689" y="3857414"/>
+            <a:ext cx="4411849" cy="369332"/>
+          </a:xfrm>
+          <a:prstGeom prst="rect">
+            <a:avLst/>
+          </a:prstGeom>
+        </p:spPr>
+        <p:txBody>
+          <a:bodyPr wrap="none">
+            <a:spAutoFit/>
+          </a:bodyPr>
+          <a:lstStyle/>
+          <a:p>
+            <a:r>
+              <a:rPr lang="en-US" dirty="0"/>
+              <a:t>GetMonitoringLaser;13,5,2,No Errors,3,15,31</a:t>
+            </a:r>
+          </a:p>
+        </p:txBody>
+      </p:sp>
+      <p:pic>
+        <p:nvPicPr>
+          <p:cNvPr id="6" name="תמונה 5"/>
+          <p:cNvPicPr>
+            <a:picLocks noChangeAspect="1"/>
+          </p:cNvPicPr>
+          <p:nvPr/>
+        </p:nvPicPr>
+        <p:blipFill>
+          <a:blip r:embed="rId2"/>
+          <a:stretch>
+            <a:fillRect/>
+          </a:stretch>
+        </p:blipFill>
+        <p:spPr>
+          <a:xfrm>
+            <a:off x="543338" y="2982867"/>
+            <a:ext cx="6397297" cy="3573909"/>
+          </a:xfrm>
+          <a:prstGeom prst="rect">
+            <a:avLst/>
+          </a:prstGeom>
+        </p:spPr>
+      </p:pic>
+    </p:spTree>
+    <p:extLst>
+      <p:ext uri="{BB962C8B-B14F-4D97-AF65-F5344CB8AC3E}">
+        <p14:creationId xmlns:p14="http://schemas.microsoft.com/office/powerpoint/2010/main" val="3952702095"/>
+      </p:ext>
+    </p:extLst>
+  </p:cSld>
+  <p:clrMapOvr>
+    <a:masterClrMapping/>
+  </p:clrMapOvr>
+</p:sld>
+</file>
+
+<file path=ppt/slides/slide13.xml><?xml version="1.0" encoding="utf-8"?>
+<p:sld xmlns:a="http://schemas.openxmlformats.org/drawingml/2006/main" xmlns:r="http://schemas.openxmlformats.org/officeDocument/2006/relationships" xmlns:p="http://schemas.openxmlformats.org/presentationml/2006/main">
+  <p:cSld>
+    <p:spTree>
+      <p:nvGrpSpPr>
+        <p:cNvPr id="1" name=""/>
+        <p:cNvGrpSpPr/>
+        <p:nvPr/>
+      </p:nvGrpSpPr>
+      <p:grpSpPr>
+        <a:xfrm>
+          <a:off x="0" y="0"/>
+          <a:ext cx="0" cy="0"/>
+          <a:chOff x="0" y="0"/>
+          <a:chExt cx="0" cy="0"/>
+        </a:xfrm>
+      </p:grpSpPr>
+      <p:sp>
+        <p:nvSpPr>
+          <p:cNvPr id="2" name="כותרת 1"/>
+          <p:cNvSpPr>
+            <a:spLocks noGrp="1"/>
+          </p:cNvSpPr>
+          <p:nvPr>
+            <p:ph type="title"/>
+          </p:nvPr>
+        </p:nvSpPr>
+        <p:spPr/>
+        <p:txBody>
+          <a:bodyPr/>
+          <a:lstStyle/>
+          <a:p>
+            <a:endParaRPr lang="en-US" dirty="0"/>
+          </a:p>
+        </p:txBody>
+      </p:sp>
+      <p:sp>
+        <p:nvSpPr>
+          <p:cNvPr id="3" name="מציין מיקום תוכן 2"/>
+          <p:cNvSpPr>
+            <a:spLocks noGrp="1"/>
+          </p:cNvSpPr>
+          <p:nvPr>
+            <p:ph idx="1"/>
+          </p:nvPr>
+        </p:nvSpPr>
+        <p:spPr>
+          <a:xfrm>
+            <a:off x="1097280" y="2044516"/>
+            <a:ext cx="10058400" cy="4023360"/>
+          </a:xfrm>
+        </p:spPr>
+        <p:txBody>
+          <a:bodyPr/>
+          <a:lstStyle/>
+          <a:p>
+            <a:pPr marL="0" indent="0" algn="r" rtl="1">
+              <a:buNone/>
+            </a:pPr>
+            <a:r>
+              <a:rPr lang="he-IL" dirty="0" smtClean="0"/>
+              <a:t>להחלפת ערוץ תוך כדי לזירה</a:t>
+            </a:r>
+          </a:p>
+          <a:p>
+            <a:pPr marL="0" indent="0" algn="r" rtl="1">
+              <a:buNone/>
+            </a:pPr>
+            <a:r>
+              <a:rPr lang="he-IL" dirty="0" smtClean="0"/>
+              <a:t>קריאה שנית לפונקציה  </a:t>
+            </a:r>
+            <a:r>
+              <a:rPr lang="he-IL" dirty="0"/>
+              <a:t> </a:t>
+            </a:r>
+            <a:r>
+              <a:rPr lang="en-US" dirty="0" err="1"/>
+              <a:t>set_params</a:t>
+            </a:r>
+            <a:r>
+              <a:rPr lang="en-US" dirty="0"/>
+              <a:t>(high=1, </a:t>
+            </a:r>
+            <a:r>
+              <a:rPr lang="en-US" dirty="0" err="1"/>
+              <a:t>allic</a:t>
+            </a:r>
+            <a:r>
+              <a:rPr lang="en-US" dirty="0"/>
+              <a:t>=0, duration=4000, </a:t>
+            </a:r>
+            <a:r>
+              <a:rPr lang="en-US" dirty="0" smtClean="0">
+                <a:solidFill>
+                  <a:schemeClr val="tx1"/>
+                </a:solidFill>
+              </a:rPr>
+              <a:t>power=3</a:t>
+            </a:r>
+            <a:r>
+              <a:rPr lang="en-US" dirty="0" smtClean="0"/>
+              <a:t>, channel=16)</a:t>
+            </a:r>
+            <a:endParaRPr lang="he-IL" dirty="0"/>
+          </a:p>
+          <a:p>
+            <a:pPr marL="0" indent="0" algn="r" rtl="1">
+              <a:buNone/>
+            </a:pPr>
+            <a:r>
+              <a:rPr lang="he-IL" dirty="0" smtClean="0"/>
+              <a:t>עם שינויי למספר ערוץ הרלוונטי</a:t>
+            </a:r>
+            <a:endParaRPr lang="en-US" dirty="0" smtClean="0"/>
+          </a:p>
+        </p:txBody>
+      </p:sp>
+      <p:pic>
+        <p:nvPicPr>
+          <p:cNvPr id="4" name="תמונה 3"/>
+          <p:cNvPicPr>
+            <a:picLocks noChangeAspect="1"/>
+          </p:cNvPicPr>
+          <p:nvPr/>
+        </p:nvPicPr>
+        <p:blipFill>
+          <a:blip r:embed="rId2"/>
+          <a:stretch>
+            <a:fillRect/>
+          </a:stretch>
+        </p:blipFill>
+        <p:spPr>
+          <a:xfrm>
+            <a:off x="1097280" y="3110482"/>
+            <a:ext cx="6192715" cy="3480419"/>
+          </a:xfrm>
+          <a:prstGeom prst="rect">
+            <a:avLst/>
+          </a:prstGeom>
+        </p:spPr>
+      </p:pic>
+    </p:spTree>
+    <p:extLst>
+      <p:ext uri="{BB962C8B-B14F-4D97-AF65-F5344CB8AC3E}">
+        <p14:creationId xmlns:p14="http://schemas.microsoft.com/office/powerpoint/2010/main" val="3751060408"/>
+      </p:ext>
+    </p:extLst>
+  </p:cSld>
+  <p:clrMapOvr>
+    <a:masterClrMapping/>
+  </p:clrMapOvr>
+</p:sld>
+</file>
+
 <file path=ppt/slides/slide2.xml><?xml version="1.0" encoding="utf-8"?>
 <p:sld xmlns:a="http://schemas.openxmlformats.org/drawingml/2006/main" xmlns:r="http://schemas.openxmlformats.org/officeDocument/2006/relationships" xmlns:p="http://schemas.openxmlformats.org/presentationml/2006/main">
   <p:cSld>
@@ -3999,7 +4987,12 @@
             <p:ph type="title"/>
           </p:nvPr>
         </p:nvSpPr>
-        <p:spPr/>
+        <p:spPr>
+          <a:xfrm>
+            <a:off x="1213028" y="-268982"/>
+            <a:ext cx="10058400" cy="1450757"/>
+          </a:xfrm>
+        </p:spPr>
         <p:txBody>
           <a:bodyPr/>
           <a:lstStyle/>
@@ -4022,13 +5015,13 @@
           <p:nvPr>
             <p:extLst>
               <p:ext uri="{D42A27DB-BD31-4B8C-83A1-F6EECF244321}">
-                <p14:modId xmlns:p14="http://schemas.microsoft.com/office/powerpoint/2010/main" val="2123876085"/>
+                <p14:modId xmlns:p14="http://schemas.microsoft.com/office/powerpoint/2010/main" val="601079537"/>
               </p:ext>
             </p:extLst>
           </p:nvPr>
         </p:nvGraphicFramePr>
         <p:xfrm>
-          <a:off x="185195" y="1842410"/>
+          <a:off x="185195" y="1414147"/>
           <a:ext cx="11794601" cy="4711329"/>
         </p:xfrm>
         <a:graphic>
@@ -4426,7 +5419,7 @@
                   <a:tcPr/>
                 </a:tc>
               </a:tr>
-              <a:tr h="505089">
+              <a:tr h="868680">
                 <a:tc>
                   <a:txBody>
                     <a:bodyPr/>
@@ -4703,7 +5696,201 @@
           <a:bodyPr/>
           <a:lstStyle/>
           <a:p>
-            <a:endParaRPr lang="en-US"/>
+            <a:pPr algn="r"/>
+            <a:r>
+              <a:rPr lang="he-IL" dirty="0" smtClean="0"/>
+              <a:t>סיון </a:t>
+            </a:r>
+            <a:endParaRPr lang="en-US" dirty="0"/>
+          </a:p>
+        </p:txBody>
+      </p:sp>
+      <p:sp>
+        <p:nvSpPr>
+          <p:cNvPr id="3" name="מלבן 2"/>
+          <p:cNvSpPr/>
+          <p:nvPr/>
+        </p:nvSpPr>
+        <p:spPr>
+          <a:xfrm>
+            <a:off x="1479268" y="1153958"/>
+            <a:ext cx="8247827" cy="5170646"/>
+          </a:xfrm>
+          <a:prstGeom prst="rect">
+            <a:avLst/>
+          </a:prstGeom>
+        </p:spPr>
+        <p:txBody>
+          <a:bodyPr wrap="square">
+            <a:spAutoFit/>
+          </a:bodyPr>
+          <a:lstStyle/>
+          <a:p>
+            <a:pPr>
+              <a:lnSpc>
+                <a:spcPct val="150000"/>
+              </a:lnSpc>
+            </a:pPr>
+            <a:r>
+              <a:rPr lang="en-US" sz="2000" dirty="0" err="1"/>
+              <a:t>log_in</a:t>
+            </a:r>
+            <a:r>
+              <a:rPr lang="en-US" sz="2000" dirty="0"/>
+              <a:t>()</a:t>
+            </a:r>
+            <a:endParaRPr lang="he-IL" sz="2000" dirty="0" smtClean="0"/>
+          </a:p>
+          <a:p>
+            <a:pPr>
+              <a:lnSpc>
+                <a:spcPct val="150000"/>
+              </a:lnSpc>
+            </a:pPr>
+            <a:r>
+              <a:rPr lang="en-US" sz="2000" dirty="0" smtClean="0"/>
+              <a:t>turn()</a:t>
+            </a:r>
+          </a:p>
+          <a:p>
+            <a:pPr>
+              <a:lnSpc>
+                <a:spcPct val="150000"/>
+              </a:lnSpc>
+            </a:pPr>
+            <a:r>
+              <a:rPr lang="en-US" sz="2000" dirty="0" err="1" smtClean="0"/>
+              <a:t>get_params</a:t>
+            </a:r>
+            <a:r>
+              <a:rPr lang="en-US" sz="2000" dirty="0" smtClean="0"/>
+              <a:t>()</a:t>
+            </a:r>
+          </a:p>
+          <a:p>
+            <a:pPr>
+              <a:lnSpc>
+                <a:spcPct val="150000"/>
+              </a:lnSpc>
+            </a:pPr>
+            <a:r>
+              <a:rPr lang="en-US" sz="2000" dirty="0" err="1" smtClean="0"/>
+              <a:t>get_monitoring_laser</a:t>
+            </a:r>
+            <a:r>
+              <a:rPr lang="en-US" sz="2000" dirty="0" smtClean="0"/>
+              <a:t>()</a:t>
+            </a:r>
+          </a:p>
+          <a:p>
+            <a:pPr>
+              <a:lnSpc>
+                <a:spcPct val="150000"/>
+              </a:lnSpc>
+            </a:pPr>
+            <a:r>
+              <a:rPr lang="en-US" sz="2000" dirty="0" err="1" smtClean="0"/>
+              <a:t>get_Status_single_channel</a:t>
+            </a:r>
+            <a:r>
+              <a:rPr lang="en-US" sz="2000" dirty="0" smtClean="0"/>
+              <a:t>(12)</a:t>
+            </a:r>
+          </a:p>
+          <a:p>
+            <a:pPr>
+              <a:lnSpc>
+                <a:spcPct val="150000"/>
+              </a:lnSpc>
+            </a:pPr>
+            <a:r>
+              <a:rPr lang="en-US" sz="2000" dirty="0" err="1" smtClean="0"/>
+              <a:t>set_params</a:t>
+            </a:r>
+            <a:r>
+              <a:rPr lang="en-US" sz="2000" dirty="0" smtClean="0"/>
+              <a:t>(high=1, </a:t>
+            </a:r>
+            <a:r>
+              <a:rPr lang="en-US" sz="2000" dirty="0" err="1" smtClean="0"/>
+              <a:t>allic</a:t>
+            </a:r>
+            <a:r>
+              <a:rPr lang="en-US" sz="2000" dirty="0" smtClean="0"/>
+              <a:t>=0, duration=4000, power=2000, channel=14)</a:t>
+            </a:r>
+          </a:p>
+          <a:p>
+            <a:pPr>
+              <a:lnSpc>
+                <a:spcPct val="150000"/>
+              </a:lnSpc>
+            </a:pPr>
+            <a:r>
+              <a:rPr lang="en-US" sz="2000" dirty="0" err="1" smtClean="0"/>
+              <a:t>turn_Off_single_channel</a:t>
+            </a:r>
+            <a:r>
+              <a:rPr lang="en-US" sz="2000" dirty="0" smtClean="0"/>
+              <a:t>(20)</a:t>
+            </a:r>
+          </a:p>
+          <a:p>
+            <a:pPr>
+              <a:lnSpc>
+                <a:spcPct val="150000"/>
+              </a:lnSpc>
+            </a:pPr>
+            <a:r>
+              <a:rPr lang="en-US" sz="2000" dirty="0" err="1" smtClean="0"/>
+              <a:t>activate_low</a:t>
+            </a:r>
+            <a:r>
+              <a:rPr lang="en-US" sz="2000" dirty="0" smtClean="0"/>
+              <a:t>()</a:t>
+            </a:r>
+          </a:p>
+          <a:p>
+            <a:pPr>
+              <a:lnSpc>
+                <a:spcPct val="150000"/>
+              </a:lnSpc>
+            </a:pPr>
+            <a:r>
+              <a:rPr lang="en-US" sz="2000" dirty="0" err="1" smtClean="0"/>
+              <a:t>activate_high</a:t>
+            </a:r>
+            <a:r>
+              <a:rPr lang="en-US" sz="2000" dirty="0" smtClean="0"/>
+              <a:t>(1)</a:t>
+            </a:r>
+          </a:p>
+          <a:p>
+            <a:pPr>
+              <a:lnSpc>
+                <a:spcPct val="150000"/>
+              </a:lnSpc>
+            </a:pPr>
+            <a:r>
+              <a:rPr lang="en-US" sz="2000" dirty="0" err="1" smtClean="0"/>
+              <a:t>emission_off</a:t>
+            </a:r>
+            <a:r>
+              <a:rPr lang="en-US" sz="2000" dirty="0" smtClean="0"/>
+              <a:t>()</a:t>
+            </a:r>
+          </a:p>
+          <a:p>
+            <a:pPr>
+              <a:lnSpc>
+                <a:spcPct val="150000"/>
+              </a:lnSpc>
+            </a:pPr>
+            <a:r>
+              <a:rPr lang="en-US" sz="2000" dirty="0" smtClean="0"/>
+              <a:t>panic()</a:t>
+            </a:r>
+            <a:endParaRPr lang="en-US" sz="2000" dirty="0"/>
           </a:p>
         </p:txBody>
       </p:sp>
@@ -4771,14 +5958,1665 @@
           <a:bodyPr/>
           <a:lstStyle/>
           <a:p>
-            <a:endParaRPr lang="en-US"/>
-          </a:p>
-        </p:txBody>
-      </p:sp>
+            <a:r>
+              <a:rPr lang="he-IL" dirty="0" smtClean="0"/>
+              <a:t>לכתוב מה זה אומר על כל אחד מהם</a:t>
+            </a:r>
+          </a:p>
+          <a:p>
+            <a:r>
+              <a:rPr lang="en-US" dirty="0" err="1" smtClean="0"/>
+              <a:t>Get_monitoring</a:t>
+            </a:r>
+            <a:r>
+              <a:rPr lang="en-US" dirty="0" smtClean="0"/>
+              <a:t>()</a:t>
+            </a:r>
+          </a:p>
+          <a:p>
+            <a:r>
+              <a:rPr lang="en-US" dirty="0" smtClean="0"/>
+              <a:t>Return(</a:t>
+            </a:r>
+            <a:r>
+              <a:rPr lang="en-US" dirty="0" err="1" smtClean="0"/>
+              <a:t>flags_number</a:t>
+            </a:r>
+            <a:r>
+              <a:rPr lang="en-US" dirty="0" smtClean="0"/>
+              <a:t>)</a:t>
+            </a:r>
+          </a:p>
+          <a:p>
+            <a:endParaRPr lang="en-US" dirty="0"/>
+          </a:p>
+          <a:p>
+            <a:r>
+              <a:rPr lang="he-IL" dirty="0" err="1" smtClean="0"/>
+              <a:t>ללזור</a:t>
+            </a:r>
+            <a:r>
+              <a:rPr lang="he-IL" dirty="0" smtClean="0"/>
+              <a:t> ערוץ בודד</a:t>
+            </a:r>
+          </a:p>
+          <a:p>
+            <a:r>
+              <a:rPr lang="he-IL" dirty="0" err="1" smtClean="0"/>
+              <a:t>ללזור</a:t>
+            </a:r>
+            <a:r>
+              <a:rPr lang="he-IL" dirty="0" smtClean="0"/>
+              <a:t> רשימה</a:t>
+            </a:r>
+          </a:p>
+          <a:p>
+            <a:r>
+              <a:rPr lang="he-IL" dirty="0" err="1" smtClean="0"/>
+              <a:t>ללזור</a:t>
+            </a:r>
+            <a:r>
+              <a:rPr lang="he-IL" dirty="0" smtClean="0"/>
+              <a:t> בכולם</a:t>
+            </a:r>
+          </a:p>
+          <a:p>
+            <a:r>
+              <a:rPr lang="he-IL" dirty="0" err="1" smtClean="0"/>
+              <a:t>ללזור</a:t>
+            </a:r>
+            <a:r>
+              <a:rPr lang="he-IL" dirty="0" smtClean="0"/>
+              <a:t> בכולם חוץ מ</a:t>
+            </a:r>
+          </a:p>
+          <a:p>
+            <a:endParaRPr lang="en-US" dirty="0"/>
+          </a:p>
+        </p:txBody>
+      </p:sp>
+    </p:spTree>
+    <p:extLst>
+      <p:ext uri="{BB962C8B-B14F-4D97-AF65-F5344CB8AC3E}">
+        <p14:creationId xmlns:p14="http://schemas.microsoft.com/office/powerpoint/2010/main" val="848827769"/>
+      </p:ext>
+    </p:extLst>
+  </p:cSld>
+  <p:clrMapOvr>
+    <a:masterClrMapping/>
+  </p:clrMapOvr>
+</p:sld>
+</file>
+
+<file path=ppt/slides/slide6.xml><?xml version="1.0" encoding="utf-8"?>
+<p:sld xmlns:a="http://schemas.openxmlformats.org/drawingml/2006/main" xmlns:r="http://schemas.openxmlformats.org/officeDocument/2006/relationships" xmlns:p="http://schemas.openxmlformats.org/presentationml/2006/main">
+  <p:cSld>
+    <p:spTree>
+      <p:nvGrpSpPr>
+        <p:cNvPr id="1" name=""/>
+        <p:cNvGrpSpPr/>
+        <p:nvPr/>
+      </p:nvGrpSpPr>
+      <p:grpSpPr>
+        <a:xfrm>
+          <a:off x="0" y="0"/>
+          <a:ext cx="0" cy="0"/>
+          <a:chOff x="0" y="0"/>
+          <a:chExt cx="0" cy="0"/>
+        </a:xfrm>
+      </p:grpSpPr>
+      <p:sp>
+        <p:nvSpPr>
+          <p:cNvPr id="3" name="מציין מיקום תוכן 2"/>
+          <p:cNvSpPr>
+            <a:spLocks noGrp="1"/>
+          </p:cNvSpPr>
+          <p:nvPr>
+            <p:ph idx="1"/>
+          </p:nvPr>
+        </p:nvSpPr>
+        <p:spPr>
+          <a:xfrm>
+            <a:off x="1216550" y="1381908"/>
+            <a:ext cx="10058400" cy="4023360"/>
+          </a:xfrm>
+        </p:spPr>
+        <p:txBody>
+          <a:bodyPr/>
+          <a:lstStyle/>
+          <a:p>
+            <a:pPr algn="r" rtl="1"/>
+            <a:r>
+              <a:rPr lang="he-IL" dirty="0" smtClean="0"/>
+              <a:t>פתיחת המערכת</a:t>
+            </a:r>
+          </a:p>
+          <a:p>
+            <a:pPr algn="r" rtl="1"/>
+            <a:r>
+              <a:rPr lang="he-IL" dirty="0" smtClean="0"/>
+              <a:t>1. לחיצה כפולה על </a:t>
+            </a:r>
+            <a:r>
+              <a:rPr lang="en-US" dirty="0" smtClean="0"/>
+              <a:t>Simulator.bat</a:t>
+            </a:r>
+            <a:r>
+              <a:rPr lang="he-IL" dirty="0" smtClean="0"/>
+              <a:t>  </a:t>
+            </a:r>
+            <a:r>
+              <a:rPr lang="he-IL" dirty="0" err="1" smtClean="0"/>
+              <a:t>בתיקית</a:t>
+            </a:r>
+            <a:r>
+              <a:rPr lang="he-IL" dirty="0" smtClean="0"/>
+              <a:t> </a:t>
+            </a:r>
+            <a:r>
+              <a:rPr lang="en-US" dirty="0" smtClean="0"/>
+              <a:t>Simulator</a:t>
+            </a:r>
+          </a:p>
+          <a:p>
+            <a:pPr algn="r" rtl="1"/>
+            <a:r>
+              <a:rPr lang="he-IL" dirty="0" smtClean="0"/>
+              <a:t>2. לחיצה כפולה על </a:t>
+            </a:r>
+            <a:r>
+              <a:rPr lang="en-US" dirty="0" smtClean="0"/>
+              <a:t>R100K.bat</a:t>
+            </a:r>
+            <a:r>
+              <a:rPr lang="he-IL" dirty="0" smtClean="0"/>
+              <a:t>  בתיקיית </a:t>
+            </a:r>
+            <a:r>
+              <a:rPr lang="en-US" dirty="0" smtClean="0"/>
+              <a:t>GUI</a:t>
+            </a:r>
+            <a:endParaRPr lang="he-IL" dirty="0" smtClean="0"/>
+          </a:p>
+          <a:p>
+            <a:pPr algn="r" rtl="1"/>
+            <a:r>
+              <a:rPr lang="he-IL" dirty="0" smtClean="0"/>
+              <a:t>3. הרצת פונקציה </a:t>
+            </a:r>
+            <a:r>
+              <a:rPr lang="en-US" dirty="0" err="1"/>
+              <a:t>log_in</a:t>
+            </a:r>
+            <a:r>
+              <a:rPr lang="en-US" dirty="0" smtClean="0"/>
+              <a:t>()</a:t>
+            </a:r>
+            <a:endParaRPr lang="he-IL" dirty="0" smtClean="0"/>
+          </a:p>
+          <a:p>
+            <a:pPr algn="r" rtl="1"/>
+            <a:endParaRPr lang="he-IL" dirty="0" smtClean="0"/>
+          </a:p>
+          <a:p>
+            <a:pPr marL="0" indent="0" algn="r" rtl="1">
+              <a:buNone/>
+            </a:pPr>
+            <a:r>
+              <a:rPr lang="he-IL" dirty="0" smtClean="0"/>
+              <a:t>תוצאה: </a:t>
+            </a:r>
+          </a:p>
+          <a:p>
+            <a:pPr marL="0" indent="0" algn="r" rtl="1">
+              <a:buNone/>
+            </a:pPr>
+            <a:r>
+              <a:rPr lang="he-IL" dirty="0" smtClean="0"/>
+              <a:t>יפתח חלון כמו בתמונה המוצגת</a:t>
+            </a:r>
+            <a:endParaRPr lang="en-US" dirty="0" smtClean="0"/>
+          </a:p>
+          <a:p>
+            <a:pPr marL="0" indent="0" algn="r" rtl="1">
+              <a:buNone/>
+            </a:pPr>
+            <a:r>
+              <a:rPr lang="he-IL" dirty="0" smtClean="0"/>
+              <a:t>ותודפס השורה: </a:t>
+            </a:r>
+            <a:r>
+              <a:rPr lang="en-US" dirty="0"/>
+              <a:t>Login;13,2,0,1.7.21 (07.09.2023)</a:t>
+            </a:r>
+          </a:p>
+          <a:p>
+            <a:pPr marL="0" indent="0" algn="r" rtl="1">
+              <a:buNone/>
+            </a:pPr>
+            <a:endParaRPr lang="he-IL" dirty="0" smtClean="0"/>
+          </a:p>
+          <a:p>
+            <a:pPr marL="0" indent="0" algn="r" rtl="1">
+              <a:buNone/>
+            </a:pPr>
+            <a:endParaRPr lang="en-US" dirty="0"/>
+          </a:p>
+        </p:txBody>
+      </p:sp>
+      <p:pic>
+        <p:nvPicPr>
+          <p:cNvPr id="5" name="תמונה 4"/>
+          <p:cNvPicPr>
+            <a:picLocks noChangeAspect="1"/>
+          </p:cNvPicPr>
+          <p:nvPr/>
+        </p:nvPicPr>
+        <p:blipFill>
+          <a:blip r:embed="rId2"/>
+          <a:stretch>
+            <a:fillRect/>
+          </a:stretch>
+        </p:blipFill>
+        <p:spPr>
+          <a:xfrm>
+            <a:off x="552089" y="2764757"/>
+            <a:ext cx="5172646" cy="3290985"/>
+          </a:xfrm>
+          <a:prstGeom prst="rect">
+            <a:avLst/>
+          </a:prstGeom>
+        </p:spPr>
+      </p:pic>
     </p:spTree>
     <p:extLst>
       <p:ext uri="{BB962C8B-B14F-4D97-AF65-F5344CB8AC3E}">
         <p14:creationId xmlns:p14="http://schemas.microsoft.com/office/powerpoint/2010/main" val="1932677163"/>
+      </p:ext>
+    </p:extLst>
+  </p:cSld>
+  <p:clrMapOvr>
+    <a:masterClrMapping/>
+  </p:clrMapOvr>
+</p:sld>
+</file>
+
+<file path=ppt/slides/slide7.xml><?xml version="1.0" encoding="utf-8"?>
+<p:sld xmlns:a="http://schemas.openxmlformats.org/drawingml/2006/main" xmlns:r="http://schemas.openxmlformats.org/officeDocument/2006/relationships" xmlns:p="http://schemas.openxmlformats.org/presentationml/2006/main" showMasterSp="0">
+  <p:cSld>
+    <p:spTree>
+      <p:nvGrpSpPr>
+        <p:cNvPr id="1" name=""/>
+        <p:cNvGrpSpPr/>
+        <p:nvPr/>
+      </p:nvGrpSpPr>
+      <p:grpSpPr>
+        <a:xfrm>
+          <a:off x="0" y="0"/>
+          <a:ext cx="0" cy="0"/>
+          <a:chOff x="0" y="0"/>
+          <a:chExt cx="0" cy="0"/>
+        </a:xfrm>
+      </p:grpSpPr>
+      <p:sp>
+        <p:nvSpPr>
+          <p:cNvPr id="3" name="מציין מיקום תוכן 2"/>
+          <p:cNvSpPr>
+            <a:spLocks noGrp="1"/>
+          </p:cNvSpPr>
+          <p:nvPr>
+            <p:ph idx="4294967295"/>
+          </p:nvPr>
+        </p:nvSpPr>
+        <p:spPr>
+          <a:xfrm>
+            <a:off x="1079586" y="239124"/>
+            <a:ext cx="10058400" cy="4022725"/>
+          </a:xfrm>
+        </p:spPr>
+        <p:txBody>
+          <a:bodyPr>
+            <a:normAutofit/>
+          </a:bodyPr>
+          <a:lstStyle/>
+          <a:p>
+            <a:pPr algn="r"/>
+            <a:r>
+              <a:rPr lang="he-IL" sz="2400" b="1" dirty="0" smtClean="0"/>
+              <a:t>בדיקה של מצב הלייזר</a:t>
+            </a:r>
+          </a:p>
+          <a:p>
+            <a:pPr algn="r"/>
+            <a:endParaRPr lang="he-IL" dirty="0"/>
+          </a:p>
+          <a:p>
+            <a:pPr algn="r" rtl="1"/>
+            <a:r>
+              <a:rPr lang="he-IL" dirty="0" smtClean="0"/>
+              <a:t>1. הרצה של </a:t>
+            </a:r>
+            <a:r>
+              <a:rPr lang="he-IL" dirty="0" err="1" smtClean="0"/>
+              <a:t>פונקצית</a:t>
+            </a:r>
+            <a:r>
+              <a:rPr lang="he-IL" dirty="0" smtClean="0"/>
+              <a:t>  </a:t>
+            </a:r>
+            <a:r>
+              <a:rPr lang="en-US" dirty="0" err="1"/>
+              <a:t>get_params</a:t>
+            </a:r>
+            <a:r>
+              <a:rPr lang="en-US" dirty="0"/>
+              <a:t>()</a:t>
+            </a:r>
+          </a:p>
+          <a:p>
+            <a:pPr algn="r" rtl="1"/>
+            <a:r>
+              <a:rPr lang="he-IL" dirty="0" smtClean="0"/>
+              <a:t>מחזירה את השורה  </a:t>
+            </a:r>
+            <a:r>
+              <a:rPr lang="en-US" dirty="0" smtClean="0"/>
+              <a:t>GetParameters;13,6,</a:t>
+            </a:r>
+            <a:r>
+              <a:rPr lang="en-US" dirty="0" smtClean="0">
+                <a:solidFill>
+                  <a:schemeClr val="tx1"/>
+                </a:solidFill>
+              </a:rPr>
+              <a:t>1,1,4000,3,</a:t>
+            </a:r>
+            <a:r>
+              <a:rPr lang="en-US" dirty="0" smtClean="0"/>
+              <a:t>122,2!3!4!5!6!7!8!9!11…</a:t>
+            </a:r>
+            <a:endParaRPr lang="he-IL" dirty="0" smtClean="0"/>
+          </a:p>
+          <a:p>
+            <a:pPr algn="r" rtl="1"/>
+            <a:endParaRPr lang="en-US" dirty="0" smtClean="0"/>
+          </a:p>
+          <a:p>
+            <a:pPr algn="r" rtl="1"/>
+            <a:endParaRPr lang="en-US" dirty="0"/>
+          </a:p>
+          <a:p>
+            <a:pPr algn="r" rtl="1"/>
+            <a:endParaRPr lang="en-US" dirty="0" smtClean="0"/>
+          </a:p>
+          <a:p>
+            <a:pPr algn="r" rtl="1"/>
+            <a:endParaRPr lang="en-US" dirty="0"/>
+          </a:p>
+        </p:txBody>
+      </p:sp>
+      <p:sp>
+        <p:nvSpPr>
+          <p:cNvPr id="6" name="מלבן 5"/>
+          <p:cNvSpPr/>
+          <p:nvPr/>
+        </p:nvSpPr>
+        <p:spPr>
+          <a:xfrm>
+            <a:off x="2589242" y="2443133"/>
+            <a:ext cx="9301779" cy="369332"/>
+          </a:xfrm>
+          <a:prstGeom prst="rect">
+            <a:avLst/>
+          </a:prstGeom>
+        </p:spPr>
+        <p:txBody>
+          <a:bodyPr wrap="square">
+            <a:spAutoFit/>
+          </a:bodyPr>
+          <a:lstStyle/>
+          <a:p>
+            <a:r>
+              <a:rPr lang="en-US" dirty="0">
+                <a:solidFill>
+                  <a:srgbClr val="00B050"/>
+                </a:solidFill>
+              </a:rPr>
+              <a:t>high</a:t>
+            </a:r>
+            <a:r>
+              <a:rPr lang="en-US" dirty="0"/>
+              <a:t>, all</a:t>
+            </a:r>
+            <a:r>
+              <a:rPr lang="en-US" dirty="0" smtClean="0"/>
+              <a:t>, duration</a:t>
+            </a:r>
+            <a:r>
+              <a:rPr lang="en-US" dirty="0" smtClean="0">
+                <a:solidFill>
+                  <a:srgbClr val="00B050"/>
+                </a:solidFill>
+              </a:rPr>
+              <a:t>, power-option number</a:t>
+            </a:r>
+            <a:r>
+              <a:rPr lang="en-US" dirty="0"/>
+              <a:t>, </a:t>
+            </a:r>
+            <a:r>
+              <a:rPr lang="en-US" dirty="0" smtClean="0"/>
+              <a:t>total number of active channels, list of- </a:t>
+            </a:r>
+            <a:r>
+              <a:rPr lang="en-US" dirty="0" err="1" smtClean="0"/>
+              <a:t>activechannels</a:t>
+            </a:r>
+            <a:endParaRPr lang="en-US" dirty="0"/>
+          </a:p>
+        </p:txBody>
+      </p:sp>
+      <p:cxnSp>
+        <p:nvCxnSpPr>
+          <p:cNvPr id="8" name="מחבר חץ ישר 7"/>
+          <p:cNvCxnSpPr/>
+          <p:nvPr/>
+        </p:nvCxnSpPr>
+        <p:spPr>
+          <a:xfrm flipH="1">
+            <a:off x="2970021" y="1943945"/>
+            <a:ext cx="2412625" cy="577978"/>
+          </a:xfrm>
+          <a:prstGeom prst="straightConnector1">
+            <a:avLst/>
+          </a:prstGeom>
+          <a:ln>
+            <a:tailEnd type="triangle"/>
+          </a:ln>
+        </p:spPr>
+        <p:style>
+          <a:lnRef idx="1">
+            <a:schemeClr val="accent1"/>
+          </a:lnRef>
+          <a:fillRef idx="0">
+            <a:schemeClr val="accent1"/>
+          </a:fillRef>
+          <a:effectRef idx="0">
+            <a:schemeClr val="accent1"/>
+          </a:effectRef>
+          <a:fontRef idx="minor">
+            <a:schemeClr val="tx1"/>
+          </a:fontRef>
+        </p:style>
+      </p:cxnSp>
+      <p:cxnSp>
+        <p:nvCxnSpPr>
+          <p:cNvPr id="9" name="מחבר חץ ישר 8"/>
+          <p:cNvCxnSpPr/>
+          <p:nvPr/>
+        </p:nvCxnSpPr>
+        <p:spPr>
+          <a:xfrm flipH="1">
+            <a:off x="3408592" y="1943945"/>
+            <a:ext cx="2189207" cy="606749"/>
+          </a:xfrm>
+          <a:prstGeom prst="straightConnector1">
+            <a:avLst/>
+          </a:prstGeom>
+          <a:ln>
+            <a:tailEnd type="triangle"/>
+          </a:ln>
+        </p:spPr>
+        <p:style>
+          <a:lnRef idx="1">
+            <a:schemeClr val="accent1"/>
+          </a:lnRef>
+          <a:fillRef idx="0">
+            <a:schemeClr val="accent1"/>
+          </a:fillRef>
+          <a:effectRef idx="0">
+            <a:schemeClr val="accent1"/>
+          </a:effectRef>
+          <a:fontRef idx="minor">
+            <a:schemeClr val="tx1"/>
+          </a:fontRef>
+        </p:style>
+      </p:cxnSp>
+      <p:cxnSp>
+        <p:nvCxnSpPr>
+          <p:cNvPr id="15" name="מחבר חץ ישר 14"/>
+          <p:cNvCxnSpPr/>
+          <p:nvPr/>
+        </p:nvCxnSpPr>
+        <p:spPr>
+          <a:xfrm flipH="1">
+            <a:off x="4160701" y="1943945"/>
+            <a:ext cx="1731814" cy="606749"/>
+          </a:xfrm>
+          <a:prstGeom prst="straightConnector1">
+            <a:avLst/>
+          </a:prstGeom>
+          <a:ln>
+            <a:tailEnd type="triangle"/>
+          </a:ln>
+        </p:spPr>
+        <p:style>
+          <a:lnRef idx="1">
+            <a:schemeClr val="accent1"/>
+          </a:lnRef>
+          <a:fillRef idx="0">
+            <a:schemeClr val="accent1"/>
+          </a:fillRef>
+          <a:effectRef idx="0">
+            <a:schemeClr val="accent1"/>
+          </a:effectRef>
+          <a:fontRef idx="minor">
+            <a:schemeClr val="tx1"/>
+          </a:fontRef>
+        </p:style>
+      </p:cxnSp>
+      <p:cxnSp>
+        <p:nvCxnSpPr>
+          <p:cNvPr id="21" name="מחבר חץ ישר 20"/>
+          <p:cNvCxnSpPr/>
+          <p:nvPr/>
+        </p:nvCxnSpPr>
+        <p:spPr>
+          <a:xfrm flipH="1">
+            <a:off x="5057172" y="1967001"/>
+            <a:ext cx="1282906" cy="566450"/>
+          </a:xfrm>
+          <a:prstGeom prst="straightConnector1">
+            <a:avLst/>
+          </a:prstGeom>
+          <a:ln>
+            <a:tailEnd type="triangle"/>
+          </a:ln>
+        </p:spPr>
+        <p:style>
+          <a:lnRef idx="1">
+            <a:schemeClr val="accent1"/>
+          </a:lnRef>
+          <a:fillRef idx="0">
+            <a:schemeClr val="accent1"/>
+          </a:fillRef>
+          <a:effectRef idx="0">
+            <a:schemeClr val="accent1"/>
+          </a:effectRef>
+          <a:fontRef idx="minor">
+            <a:schemeClr val="tx1"/>
+          </a:fontRef>
+        </p:style>
+      </p:cxnSp>
+      <p:cxnSp>
+        <p:nvCxnSpPr>
+          <p:cNvPr id="23" name="מחבר חץ ישר 22"/>
+          <p:cNvCxnSpPr/>
+          <p:nvPr/>
+        </p:nvCxnSpPr>
+        <p:spPr>
+          <a:xfrm>
+            <a:off x="6651992" y="1971456"/>
+            <a:ext cx="101693" cy="581737"/>
+          </a:xfrm>
+          <a:prstGeom prst="straightConnector1">
+            <a:avLst/>
+          </a:prstGeom>
+          <a:ln>
+            <a:tailEnd type="triangle"/>
+          </a:ln>
+        </p:spPr>
+        <p:style>
+          <a:lnRef idx="1">
+            <a:schemeClr val="accent1"/>
+          </a:lnRef>
+          <a:fillRef idx="0">
+            <a:schemeClr val="accent1"/>
+          </a:fillRef>
+          <a:effectRef idx="0">
+            <a:schemeClr val="accent1"/>
+          </a:effectRef>
+          <a:fontRef idx="minor">
+            <a:schemeClr val="tx1"/>
+          </a:fontRef>
+        </p:style>
+      </p:cxnSp>
+      <p:cxnSp>
+        <p:nvCxnSpPr>
+          <p:cNvPr id="25" name="מחבר חץ ישר 24"/>
+          <p:cNvCxnSpPr>
+            <a:stCxn id="28" idx="1"/>
+          </p:cNvCxnSpPr>
+          <p:nvPr/>
+        </p:nvCxnSpPr>
+        <p:spPr>
+          <a:xfrm>
+            <a:off x="7937587" y="2046486"/>
+            <a:ext cx="1936376" cy="436648"/>
+          </a:xfrm>
+          <a:prstGeom prst="straightConnector1">
+            <a:avLst/>
+          </a:prstGeom>
+          <a:ln>
+            <a:tailEnd type="triangle"/>
+          </a:ln>
+        </p:spPr>
+        <p:style>
+          <a:lnRef idx="1">
+            <a:schemeClr val="accent1"/>
+          </a:lnRef>
+          <a:fillRef idx="0">
+            <a:schemeClr val="accent1"/>
+          </a:fillRef>
+          <a:effectRef idx="0">
+            <a:schemeClr val="accent1"/>
+          </a:effectRef>
+          <a:fontRef idx="minor">
+            <a:schemeClr val="tx1"/>
+          </a:fontRef>
+        </p:style>
+      </p:cxnSp>
+      <p:sp>
+        <p:nvSpPr>
+          <p:cNvPr id="28" name="סוגר מסולסל שמאלי 27"/>
+          <p:cNvSpPr/>
+          <p:nvPr/>
+        </p:nvSpPr>
+        <p:spPr>
+          <a:xfrm rot="16200000">
+            <a:off x="7874384" y="943378"/>
+            <a:ext cx="126404" cy="2079811"/>
+          </a:xfrm>
+          <a:prstGeom prst="leftBrace">
+            <a:avLst>
+              <a:gd name="adj1" fmla="val 26282"/>
+              <a:gd name="adj2" fmla="val 50000"/>
+            </a:avLst>
+          </a:prstGeom>
+        </p:spPr>
+        <p:style>
+          <a:lnRef idx="1">
+            <a:schemeClr val="accent1"/>
+          </a:lnRef>
+          <a:fillRef idx="0">
+            <a:schemeClr val="accent1"/>
+          </a:fillRef>
+          <a:effectRef idx="0">
+            <a:schemeClr val="accent1"/>
+          </a:effectRef>
+          <a:fontRef idx="minor">
+            <a:schemeClr val="tx1"/>
+          </a:fontRef>
+        </p:style>
+        <p:txBody>
+          <a:bodyPr rtlCol="0" anchor="ctr"/>
+          <a:lstStyle/>
+          <a:p>
+            <a:pPr algn="ctr"/>
+            <a:endParaRPr lang="en-US"/>
+          </a:p>
+        </p:txBody>
+      </p:sp>
+      <p:sp>
+        <p:nvSpPr>
+          <p:cNvPr id="32" name="מלבן 31"/>
+          <p:cNvSpPr/>
+          <p:nvPr/>
+        </p:nvSpPr>
+        <p:spPr>
+          <a:xfrm>
+            <a:off x="4634858" y="4081492"/>
+            <a:ext cx="7356514" cy="1015663"/>
+          </a:xfrm>
+          <a:prstGeom prst="rect">
+            <a:avLst/>
+          </a:prstGeom>
+        </p:spPr>
+        <p:txBody>
+          <a:bodyPr wrap="square">
+            <a:spAutoFit/>
+          </a:bodyPr>
+          <a:lstStyle/>
+          <a:p>
+            <a:pPr algn="r" rtl="1">
+              <a:lnSpc>
+                <a:spcPct val="150000"/>
+              </a:lnSpc>
+            </a:pPr>
+            <a:r>
+              <a:rPr lang="he-IL" sz="2000" dirty="0"/>
+              <a:t>2. הרצה של הפונקציה </a:t>
+            </a:r>
+            <a:r>
+              <a:rPr lang="en-US" sz="2000" dirty="0" err="1"/>
+              <a:t>get_monitoring_laser</a:t>
+            </a:r>
+            <a:r>
+              <a:rPr lang="en-US" sz="2000" dirty="0"/>
+              <a:t>()</a:t>
+            </a:r>
+          </a:p>
+          <a:p>
+            <a:pPr algn="r" rtl="1">
+              <a:lnSpc>
+                <a:spcPct val="150000"/>
+              </a:lnSpc>
+            </a:pPr>
+            <a:r>
+              <a:rPr lang="he-IL" sz="2000" dirty="0" smtClean="0"/>
+              <a:t>מחזירה את השורה   </a:t>
+            </a:r>
+            <a:r>
+              <a:rPr lang="en-US" sz="2000" dirty="0"/>
+              <a:t>GetMonitoringLaser;13,5,0,No Errors</a:t>
+            </a:r>
+            <a:r>
+              <a:rPr lang="en-US" sz="2000" dirty="0" smtClean="0">
+                <a:solidFill>
+                  <a:srgbClr val="FF0000"/>
+                </a:solidFill>
+              </a:rPr>
+              <a:t>,-2</a:t>
+            </a:r>
+            <a:r>
+              <a:rPr lang="en-US" sz="2000" dirty="0" smtClean="0"/>
+              <a:t>,0,0</a:t>
+            </a:r>
+            <a:endParaRPr lang="en-US" sz="2000" dirty="0"/>
+          </a:p>
+        </p:txBody>
+      </p:sp>
+      <p:cxnSp>
+        <p:nvCxnSpPr>
+          <p:cNvPr id="33" name="מחבר חץ ישר 32"/>
+          <p:cNvCxnSpPr/>
+          <p:nvPr/>
+        </p:nvCxnSpPr>
+        <p:spPr>
+          <a:xfrm flipH="1">
+            <a:off x="5541273" y="4983653"/>
+            <a:ext cx="2468987" cy="682752"/>
+          </a:xfrm>
+          <a:prstGeom prst="straightConnector1">
+            <a:avLst/>
+          </a:prstGeom>
+          <a:ln>
+            <a:tailEnd type="triangle"/>
+          </a:ln>
+        </p:spPr>
+        <p:style>
+          <a:lnRef idx="1">
+            <a:schemeClr val="accent1"/>
+          </a:lnRef>
+          <a:fillRef idx="0">
+            <a:schemeClr val="accent1"/>
+          </a:fillRef>
+          <a:effectRef idx="0">
+            <a:schemeClr val="accent1"/>
+          </a:effectRef>
+          <a:fontRef idx="minor">
+            <a:schemeClr val="tx1"/>
+          </a:fontRef>
+        </p:style>
+      </p:cxnSp>
+      <p:cxnSp>
+        <p:nvCxnSpPr>
+          <p:cNvPr id="34" name="מחבר חץ ישר 33"/>
+          <p:cNvCxnSpPr/>
+          <p:nvPr/>
+        </p:nvCxnSpPr>
+        <p:spPr>
+          <a:xfrm flipH="1">
+            <a:off x="6339129" y="5008973"/>
+            <a:ext cx="2191424" cy="694506"/>
+          </a:xfrm>
+          <a:prstGeom prst="straightConnector1">
+            <a:avLst/>
+          </a:prstGeom>
+          <a:ln>
+            <a:tailEnd type="triangle"/>
+          </a:ln>
+        </p:spPr>
+        <p:style>
+          <a:lnRef idx="1">
+            <a:schemeClr val="accent1"/>
+          </a:lnRef>
+          <a:fillRef idx="0">
+            <a:schemeClr val="accent1"/>
+          </a:fillRef>
+          <a:effectRef idx="0">
+            <a:schemeClr val="accent1"/>
+          </a:effectRef>
+          <a:fontRef idx="minor">
+            <a:schemeClr val="tx1"/>
+          </a:fontRef>
+        </p:style>
+      </p:cxnSp>
+      <p:cxnSp>
+        <p:nvCxnSpPr>
+          <p:cNvPr id="35" name="מחבר חץ ישר 34"/>
+          <p:cNvCxnSpPr/>
+          <p:nvPr/>
+        </p:nvCxnSpPr>
+        <p:spPr>
+          <a:xfrm flipH="1">
+            <a:off x="8010260" y="4976992"/>
+            <a:ext cx="1272216" cy="689413"/>
+          </a:xfrm>
+          <a:prstGeom prst="straightConnector1">
+            <a:avLst/>
+          </a:prstGeom>
+          <a:ln>
+            <a:tailEnd type="triangle"/>
+          </a:ln>
+        </p:spPr>
+        <p:style>
+          <a:lnRef idx="1">
+            <a:schemeClr val="accent1"/>
+          </a:lnRef>
+          <a:fillRef idx="0">
+            <a:schemeClr val="accent1"/>
+          </a:fillRef>
+          <a:effectRef idx="0">
+            <a:schemeClr val="accent1"/>
+          </a:effectRef>
+          <a:fontRef idx="minor">
+            <a:schemeClr val="tx1"/>
+          </a:fontRef>
+        </p:style>
+      </p:cxnSp>
+      <p:cxnSp>
+        <p:nvCxnSpPr>
+          <p:cNvPr id="36" name="מחבר חץ ישר 35"/>
+          <p:cNvCxnSpPr/>
+          <p:nvPr/>
+        </p:nvCxnSpPr>
+        <p:spPr>
+          <a:xfrm flipH="1">
+            <a:off x="9475882" y="4953645"/>
+            <a:ext cx="52890" cy="712760"/>
+          </a:xfrm>
+          <a:prstGeom prst="straightConnector1">
+            <a:avLst/>
+          </a:prstGeom>
+          <a:ln>
+            <a:tailEnd type="triangle"/>
+          </a:ln>
+        </p:spPr>
+        <p:style>
+          <a:lnRef idx="1">
+            <a:schemeClr val="accent1"/>
+          </a:lnRef>
+          <a:fillRef idx="0">
+            <a:schemeClr val="accent1"/>
+          </a:fillRef>
+          <a:effectRef idx="0">
+            <a:schemeClr val="accent1"/>
+          </a:effectRef>
+          <a:fontRef idx="minor">
+            <a:schemeClr val="tx1"/>
+          </a:fontRef>
+        </p:style>
+      </p:cxnSp>
+      <p:cxnSp>
+        <p:nvCxnSpPr>
+          <p:cNvPr id="37" name="מחבר חץ ישר 36"/>
+          <p:cNvCxnSpPr/>
+          <p:nvPr/>
+        </p:nvCxnSpPr>
+        <p:spPr>
+          <a:xfrm>
+            <a:off x="9764094" y="4983653"/>
+            <a:ext cx="555139" cy="682752"/>
+          </a:xfrm>
+          <a:prstGeom prst="straightConnector1">
+            <a:avLst/>
+          </a:prstGeom>
+          <a:ln>
+            <a:tailEnd type="triangle"/>
+          </a:ln>
+        </p:spPr>
+        <p:style>
+          <a:lnRef idx="1">
+            <a:schemeClr val="accent1"/>
+          </a:lnRef>
+          <a:fillRef idx="0">
+            <a:schemeClr val="accent1"/>
+          </a:fillRef>
+          <a:effectRef idx="0">
+            <a:schemeClr val="accent1"/>
+          </a:effectRef>
+          <a:fontRef idx="minor">
+            <a:schemeClr val="tx1"/>
+          </a:fontRef>
+        </p:style>
+      </p:cxnSp>
+      <p:sp>
+        <p:nvSpPr>
+          <p:cNvPr id="45" name="מלבן 44"/>
+          <p:cNvSpPr/>
+          <p:nvPr/>
+        </p:nvSpPr>
+        <p:spPr>
+          <a:xfrm>
+            <a:off x="5057172" y="5598790"/>
+            <a:ext cx="7467601" cy="369332"/>
+          </a:xfrm>
+          <a:prstGeom prst="rect">
+            <a:avLst/>
+          </a:prstGeom>
+        </p:spPr>
+        <p:txBody>
+          <a:bodyPr wrap="square">
+            <a:spAutoFit/>
+          </a:bodyPr>
+          <a:lstStyle/>
+          <a:p>
+            <a:r>
+              <a:rPr lang="en-US" dirty="0"/>
+              <a:t>Status</a:t>
+            </a:r>
+            <a:r>
+              <a:rPr lang="en-US" dirty="0" smtClean="0"/>
+              <a:t>, Error </a:t>
+            </a:r>
+            <a:r>
+              <a:rPr lang="en-US" dirty="0"/>
+              <a:t>cause</a:t>
+            </a:r>
+            <a:r>
+              <a:rPr lang="en-US" dirty="0" smtClean="0"/>
+              <a:t>, amplification level</a:t>
+            </a:r>
+            <a:r>
+              <a:rPr lang="en-US" dirty="0"/>
+              <a:t>, </a:t>
+            </a:r>
+            <a:r>
+              <a:rPr lang="en-US" dirty="0" err="1"/>
+              <a:t>comready</a:t>
+            </a:r>
+            <a:r>
+              <a:rPr lang="en-US" dirty="0"/>
+              <a:t>-flag</a:t>
+            </a:r>
+            <a:r>
+              <a:rPr lang="en-US" dirty="0" smtClean="0"/>
+              <a:t>, control-flags</a:t>
+            </a:r>
+            <a:endParaRPr lang="en-US" dirty="0"/>
+          </a:p>
+        </p:txBody>
+      </p:sp>
+      <p:pic>
+        <p:nvPicPr>
+          <p:cNvPr id="98" name="תמונה 97"/>
+          <p:cNvPicPr>
+            <a:picLocks noChangeAspect="1"/>
+          </p:cNvPicPr>
+          <p:nvPr/>
+        </p:nvPicPr>
+        <p:blipFill>
+          <a:blip r:embed="rId2"/>
+          <a:stretch>
+            <a:fillRect/>
+          </a:stretch>
+        </p:blipFill>
+        <p:spPr>
+          <a:xfrm>
+            <a:off x="332363" y="4446514"/>
+            <a:ext cx="4724809" cy="1836579"/>
+          </a:xfrm>
+          <a:prstGeom prst="rect">
+            <a:avLst/>
+          </a:prstGeom>
+        </p:spPr>
+      </p:pic>
+      <p:pic>
+        <p:nvPicPr>
+          <p:cNvPr id="105" name="תמונה 104"/>
+          <p:cNvPicPr>
+            <a:picLocks noChangeAspect="1"/>
+          </p:cNvPicPr>
+          <p:nvPr/>
+        </p:nvPicPr>
+        <p:blipFill>
+          <a:blip r:embed="rId3"/>
+          <a:stretch>
+            <a:fillRect/>
+          </a:stretch>
+        </p:blipFill>
+        <p:spPr>
+          <a:xfrm>
+            <a:off x="2551557" y="2874675"/>
+            <a:ext cx="3903275" cy="1248598"/>
+          </a:xfrm>
+          <a:prstGeom prst="rect">
+            <a:avLst/>
+          </a:prstGeom>
+        </p:spPr>
+      </p:pic>
+      <p:cxnSp>
+        <p:nvCxnSpPr>
+          <p:cNvPr id="107" name="מחבר מעוקל 106"/>
+          <p:cNvCxnSpPr>
+            <a:stCxn id="6" idx="1"/>
+            <a:endCxn id="105" idx="1"/>
+          </p:cNvCxnSpPr>
+          <p:nvPr/>
+        </p:nvCxnSpPr>
+        <p:spPr>
+          <a:xfrm rot="10800000" flipV="1">
+            <a:off x="2551558" y="2627798"/>
+            <a:ext cx="37685" cy="871175"/>
+          </a:xfrm>
+          <a:prstGeom prst="curvedConnector3">
+            <a:avLst>
+              <a:gd name="adj1" fmla="val 706607"/>
+            </a:avLst>
+          </a:prstGeom>
+          <a:ln w="19050">
+            <a:solidFill>
+              <a:srgbClr val="00B050"/>
+            </a:solidFill>
+            <a:tailEnd type="triangle"/>
+          </a:ln>
+        </p:spPr>
+        <p:style>
+          <a:lnRef idx="1">
+            <a:schemeClr val="accent1"/>
+          </a:lnRef>
+          <a:fillRef idx="0">
+            <a:schemeClr val="accent1"/>
+          </a:fillRef>
+          <a:effectRef idx="0">
+            <a:schemeClr val="accent1"/>
+          </a:effectRef>
+          <a:fontRef idx="minor">
+            <a:schemeClr val="tx1"/>
+          </a:fontRef>
+        </p:style>
+      </p:cxnSp>
+      <p:sp>
+        <p:nvSpPr>
+          <p:cNvPr id="121" name="מלבן 120"/>
+          <p:cNvSpPr/>
+          <p:nvPr/>
+        </p:nvSpPr>
+        <p:spPr>
+          <a:xfrm>
+            <a:off x="6702838" y="5896536"/>
+            <a:ext cx="6096000" cy="923330"/>
+          </a:xfrm>
+          <a:prstGeom prst="rect">
+            <a:avLst/>
+          </a:prstGeom>
+        </p:spPr>
+        <p:txBody>
+          <a:bodyPr>
+            <a:spAutoFit/>
+          </a:bodyPr>
+          <a:lstStyle/>
+          <a:p>
+            <a:r>
+              <a:rPr lang="en-US" dirty="0" smtClean="0"/>
+              <a:t>    Login          -3</a:t>
+            </a:r>
+            <a:endParaRPr lang="en-US" dirty="0"/>
+          </a:p>
+          <a:p>
+            <a:r>
+              <a:rPr lang="en-US" dirty="0"/>
+              <a:t>    system off  </a:t>
+            </a:r>
+            <a:r>
+              <a:rPr lang="en-US" dirty="0" smtClean="0"/>
+              <a:t>-2</a:t>
+            </a:r>
+            <a:endParaRPr lang="en-US" dirty="0"/>
+          </a:p>
+          <a:p>
+            <a:r>
+              <a:rPr lang="en-US" dirty="0"/>
+              <a:t>    System on </a:t>
+            </a:r>
+            <a:r>
+              <a:rPr lang="en-US" dirty="0" smtClean="0"/>
+              <a:t> -1</a:t>
+            </a:r>
+            <a:endParaRPr lang="en-US" dirty="0"/>
+          </a:p>
+        </p:txBody>
+      </p:sp>
+    </p:spTree>
+    <p:extLst>
+      <p:ext uri="{BB962C8B-B14F-4D97-AF65-F5344CB8AC3E}">
+        <p14:creationId xmlns:p14="http://schemas.microsoft.com/office/powerpoint/2010/main" val="2154115863"/>
+      </p:ext>
+    </p:extLst>
+  </p:cSld>
+  <p:clrMapOvr>
+    <a:masterClrMapping/>
+  </p:clrMapOvr>
+</p:sld>
+</file>
+
+<file path=ppt/slides/slide8.xml><?xml version="1.0" encoding="utf-8"?>
+<p:sld xmlns:a="http://schemas.openxmlformats.org/drawingml/2006/main" xmlns:r="http://schemas.openxmlformats.org/officeDocument/2006/relationships" xmlns:p="http://schemas.openxmlformats.org/presentationml/2006/main">
+  <p:cSld>
+    <p:spTree>
+      <p:nvGrpSpPr>
+        <p:cNvPr id="1" name=""/>
+        <p:cNvGrpSpPr/>
+        <p:nvPr/>
+      </p:nvGrpSpPr>
+      <p:grpSpPr>
+        <a:xfrm>
+          <a:off x="0" y="0"/>
+          <a:ext cx="0" cy="0"/>
+          <a:chOff x="0" y="0"/>
+          <a:chExt cx="0" cy="0"/>
+        </a:xfrm>
+      </p:grpSpPr>
+      <p:sp>
+        <p:nvSpPr>
+          <p:cNvPr id="2" name="כותרת 1"/>
+          <p:cNvSpPr>
+            <a:spLocks noGrp="1"/>
+          </p:cNvSpPr>
+          <p:nvPr>
+            <p:ph type="title"/>
+          </p:nvPr>
+        </p:nvSpPr>
+        <p:spPr/>
+        <p:txBody>
+          <a:bodyPr/>
+          <a:lstStyle/>
+          <a:p>
+            <a:endParaRPr lang="en-US"/>
+          </a:p>
+        </p:txBody>
+      </p:sp>
+      <p:sp>
+        <p:nvSpPr>
+          <p:cNvPr id="3" name="מציין מיקום תוכן 2"/>
+          <p:cNvSpPr>
+            <a:spLocks noGrp="1"/>
+          </p:cNvSpPr>
+          <p:nvPr>
+            <p:ph idx="1"/>
+          </p:nvPr>
+        </p:nvSpPr>
+        <p:spPr/>
+        <p:txBody>
+          <a:bodyPr/>
+          <a:lstStyle/>
+          <a:p>
+            <a:pPr algn="r"/>
+            <a:r>
+              <a:rPr lang="he-IL" dirty="0" smtClean="0"/>
+              <a:t>הדלקת הלייזר</a:t>
+            </a:r>
+          </a:p>
+          <a:p>
+            <a:pPr algn="r" rtl="1"/>
+            <a:r>
+              <a:rPr lang="he-IL" dirty="0" smtClean="0"/>
+              <a:t>1. לחיצה על </a:t>
+            </a:r>
+            <a:r>
+              <a:rPr lang="en-US" dirty="0" smtClean="0"/>
+              <a:t>FireLowOff.bat</a:t>
+            </a:r>
+            <a:r>
+              <a:rPr lang="he-IL" dirty="0" smtClean="0"/>
+              <a:t>  שקול לניתוק </a:t>
+            </a:r>
+            <a:r>
+              <a:rPr lang="he-IL" dirty="0" err="1" smtClean="0"/>
+              <a:t>אינטרלוק</a:t>
+            </a:r>
+            <a:r>
+              <a:rPr lang="he-IL" dirty="0" smtClean="0"/>
+              <a:t>, מאפס את הערכים של ההרצה הקודמת בסימולטור</a:t>
+            </a:r>
+            <a:endParaRPr lang="en-US" dirty="0" smtClean="0"/>
+          </a:p>
+          <a:p>
+            <a:pPr algn="r" rtl="1"/>
+            <a:r>
+              <a:rPr lang="he-IL" dirty="0" smtClean="0"/>
+              <a:t>2. לחיצה על </a:t>
+            </a:r>
+            <a:r>
+              <a:rPr lang="en-US" dirty="0" smtClean="0"/>
+              <a:t>FireLowOn.bat</a:t>
+            </a:r>
+            <a:r>
+              <a:rPr lang="he-IL" dirty="0" smtClean="0"/>
+              <a:t>  (שווה ערך להרמה פיזית של הארמים – </a:t>
+            </a:r>
+            <a:r>
+              <a:rPr lang="he-IL" dirty="0" err="1" smtClean="0"/>
+              <a:t>אינטרלוקים</a:t>
+            </a:r>
+            <a:r>
+              <a:rPr lang="he-IL" dirty="0" smtClean="0"/>
+              <a:t>)</a:t>
+            </a:r>
+          </a:p>
+          <a:p>
+            <a:pPr algn="r" rtl="1"/>
+            <a:r>
+              <a:rPr lang="he-IL" dirty="0" smtClean="0"/>
+              <a:t>3</a:t>
+            </a:r>
+            <a:r>
+              <a:rPr lang="he-IL" dirty="0"/>
+              <a:t>. הרצה של </a:t>
+            </a:r>
+            <a:r>
+              <a:rPr lang="he-IL" dirty="0" err="1"/>
+              <a:t>פונקצית</a:t>
+            </a:r>
+            <a:r>
+              <a:rPr lang="he-IL" dirty="0"/>
+              <a:t> </a:t>
+            </a:r>
+            <a:r>
+              <a:rPr lang="en-US" dirty="0"/>
+              <a:t>turn(1)</a:t>
+            </a:r>
+            <a:endParaRPr lang="he-IL" dirty="0"/>
+          </a:p>
+          <a:p>
+            <a:pPr algn="r" rtl="1"/>
+            <a:endParaRPr lang="en-US" dirty="0" smtClean="0"/>
+          </a:p>
+          <a:p>
+            <a:pPr algn="r" rtl="1"/>
+            <a:r>
+              <a:rPr lang="he-IL" dirty="0" smtClean="0"/>
+              <a:t>תוצאה:</a:t>
+            </a:r>
+            <a:endParaRPr lang="en-US" dirty="0" smtClean="0"/>
+          </a:p>
+        </p:txBody>
+      </p:sp>
+      <p:pic>
+        <p:nvPicPr>
+          <p:cNvPr id="6" name="תמונה 5"/>
+          <p:cNvPicPr>
+            <a:picLocks noChangeAspect="1"/>
+          </p:cNvPicPr>
+          <p:nvPr/>
+        </p:nvPicPr>
+        <p:blipFill>
+          <a:blip r:embed="rId2"/>
+          <a:stretch>
+            <a:fillRect/>
+          </a:stretch>
+        </p:blipFill>
+        <p:spPr>
+          <a:xfrm>
+            <a:off x="914400" y="3460412"/>
+            <a:ext cx="5439282" cy="2925617"/>
+          </a:xfrm>
+          <a:prstGeom prst="rect">
+            <a:avLst/>
+          </a:prstGeom>
+        </p:spPr>
+      </p:pic>
+      <p:sp>
+        <p:nvSpPr>
+          <p:cNvPr id="7" name="מלבן 6"/>
+          <p:cNvSpPr/>
+          <p:nvPr/>
+        </p:nvSpPr>
+        <p:spPr>
+          <a:xfrm>
+            <a:off x="7090218" y="4838432"/>
+            <a:ext cx="4248342" cy="369332"/>
+          </a:xfrm>
+          <a:prstGeom prst="rect">
+            <a:avLst/>
+          </a:prstGeom>
+        </p:spPr>
+        <p:txBody>
+          <a:bodyPr wrap="none">
+            <a:spAutoFit/>
+          </a:bodyPr>
+          <a:lstStyle/>
+          <a:p>
+            <a:r>
+              <a:rPr lang="en-US" dirty="0"/>
+              <a:t>GetMonitoringLaser;13,5,0,No Errors,-1,5,7</a:t>
+            </a:r>
+          </a:p>
+        </p:txBody>
+      </p:sp>
+      <p:cxnSp>
+        <p:nvCxnSpPr>
+          <p:cNvPr id="9" name="מחבר חץ ישר 8"/>
+          <p:cNvCxnSpPr>
+            <a:endCxn id="10" idx="0"/>
+          </p:cNvCxnSpPr>
+          <p:nvPr/>
+        </p:nvCxnSpPr>
+        <p:spPr>
+          <a:xfrm flipH="1">
+            <a:off x="10711396" y="5180522"/>
+            <a:ext cx="258669" cy="316982"/>
+          </a:xfrm>
+          <a:prstGeom prst="straightConnector1">
+            <a:avLst/>
+          </a:prstGeom>
+          <a:ln>
+            <a:tailEnd type="triangle"/>
+          </a:ln>
+        </p:spPr>
+        <p:style>
+          <a:lnRef idx="1">
+            <a:schemeClr val="accent1"/>
+          </a:lnRef>
+          <a:fillRef idx="0">
+            <a:schemeClr val="accent1"/>
+          </a:fillRef>
+          <a:effectRef idx="0">
+            <a:schemeClr val="accent1"/>
+          </a:effectRef>
+          <a:fontRef idx="minor">
+            <a:schemeClr val="tx1"/>
+          </a:fontRef>
+        </p:style>
+      </p:cxnSp>
+      <p:sp>
+        <p:nvSpPr>
+          <p:cNvPr id="10" name="מלבן 9"/>
+          <p:cNvSpPr/>
+          <p:nvPr/>
+        </p:nvSpPr>
+        <p:spPr>
+          <a:xfrm>
+            <a:off x="10443534" y="5497504"/>
+            <a:ext cx="535724" cy="369332"/>
+          </a:xfrm>
+          <a:prstGeom prst="rect">
+            <a:avLst/>
+          </a:prstGeom>
+        </p:spPr>
+        <p:txBody>
+          <a:bodyPr wrap="none">
+            <a:spAutoFit/>
+          </a:bodyPr>
+          <a:lstStyle/>
+          <a:p>
+            <a:r>
+              <a:rPr lang="en-US" dirty="0" smtClean="0"/>
+              <a:t>101</a:t>
+            </a:r>
+            <a:endParaRPr lang="en-US" dirty="0"/>
+          </a:p>
+        </p:txBody>
+      </p:sp>
+      <p:sp>
+        <p:nvSpPr>
+          <p:cNvPr id="11" name="מלבן 10"/>
+          <p:cNvSpPr/>
+          <p:nvPr/>
+        </p:nvSpPr>
+        <p:spPr>
+          <a:xfrm>
+            <a:off x="11070698" y="5499762"/>
+            <a:ext cx="535724" cy="369332"/>
+          </a:xfrm>
+          <a:prstGeom prst="rect">
+            <a:avLst/>
+          </a:prstGeom>
+        </p:spPr>
+        <p:txBody>
+          <a:bodyPr wrap="none">
+            <a:spAutoFit/>
+          </a:bodyPr>
+          <a:lstStyle/>
+          <a:p>
+            <a:r>
+              <a:rPr lang="en-US" dirty="0" smtClean="0"/>
+              <a:t>111</a:t>
+            </a:r>
+            <a:endParaRPr lang="en-US" dirty="0"/>
+          </a:p>
+        </p:txBody>
+      </p:sp>
+      <p:cxnSp>
+        <p:nvCxnSpPr>
+          <p:cNvPr id="12" name="מחבר חץ ישר 11"/>
+          <p:cNvCxnSpPr>
+            <a:endCxn id="11" idx="0"/>
+          </p:cNvCxnSpPr>
+          <p:nvPr/>
+        </p:nvCxnSpPr>
+        <p:spPr>
+          <a:xfrm>
+            <a:off x="11155680" y="5180522"/>
+            <a:ext cx="182880" cy="319240"/>
+          </a:xfrm>
+          <a:prstGeom prst="straightConnector1">
+            <a:avLst/>
+          </a:prstGeom>
+          <a:ln>
+            <a:tailEnd type="triangle"/>
+          </a:ln>
+        </p:spPr>
+        <p:style>
+          <a:lnRef idx="1">
+            <a:schemeClr val="accent1"/>
+          </a:lnRef>
+          <a:fillRef idx="0">
+            <a:schemeClr val="accent1"/>
+          </a:fillRef>
+          <a:effectRef idx="0">
+            <a:schemeClr val="accent1"/>
+          </a:effectRef>
+          <a:fontRef idx="minor">
+            <a:schemeClr val="tx1"/>
+          </a:fontRef>
+        </p:style>
+      </p:cxnSp>
+    </p:spTree>
+    <p:extLst>
+      <p:ext uri="{BB962C8B-B14F-4D97-AF65-F5344CB8AC3E}">
+        <p14:creationId xmlns:p14="http://schemas.microsoft.com/office/powerpoint/2010/main" val="1432837584"/>
+      </p:ext>
+    </p:extLst>
+  </p:cSld>
+  <p:clrMapOvr>
+    <a:masterClrMapping/>
+  </p:clrMapOvr>
+</p:sld>
+</file>
+
+<file path=ppt/slides/slide9.xml><?xml version="1.0" encoding="utf-8"?>
+<p:sld xmlns:a="http://schemas.openxmlformats.org/drawingml/2006/main" xmlns:r="http://schemas.openxmlformats.org/officeDocument/2006/relationships" xmlns:p="http://schemas.openxmlformats.org/presentationml/2006/main">
+  <p:cSld>
+    <p:spTree>
+      <p:nvGrpSpPr>
+        <p:cNvPr id="1" name=""/>
+        <p:cNvGrpSpPr/>
+        <p:nvPr/>
+      </p:nvGrpSpPr>
+      <p:grpSpPr>
+        <a:xfrm>
+          <a:off x="0" y="0"/>
+          <a:ext cx="0" cy="0"/>
+          <a:chOff x="0" y="0"/>
+          <a:chExt cx="0" cy="0"/>
+        </a:xfrm>
+      </p:grpSpPr>
+      <p:sp>
+        <p:nvSpPr>
+          <p:cNvPr id="3" name="מציין מיקום תוכן 2"/>
+          <p:cNvSpPr>
+            <a:spLocks noGrp="1"/>
+          </p:cNvSpPr>
+          <p:nvPr>
+            <p:ph idx="1"/>
+          </p:nvPr>
+        </p:nvSpPr>
+        <p:spPr>
+          <a:xfrm>
+            <a:off x="1349071" y="1328900"/>
+            <a:ext cx="10058400" cy="4023360"/>
+          </a:xfrm>
+        </p:spPr>
+        <p:txBody>
+          <a:bodyPr/>
+          <a:lstStyle/>
+          <a:p>
+            <a:pPr marL="0" indent="0" algn="r" rtl="1">
+              <a:buNone/>
+            </a:pPr>
+            <a:r>
+              <a:rPr lang="he-IL" dirty="0" smtClean="0"/>
+              <a:t>בחירת ערוץ בודד</a:t>
+            </a:r>
+            <a:endParaRPr lang="he-IL" dirty="0" smtClean="0"/>
+          </a:p>
+          <a:p>
+            <a:pPr marL="457200" indent="-457200" algn="r" rtl="1">
+              <a:buAutoNum type="arabicPeriod"/>
+            </a:pPr>
+            <a:r>
+              <a:rPr lang="he-IL" dirty="0" smtClean="0"/>
+              <a:t>לבחירת הערוץ - הרצת הפונקציה  </a:t>
+            </a:r>
+          </a:p>
+          <a:p>
+            <a:pPr marL="0" indent="0" algn="r" rtl="1">
+              <a:buNone/>
+            </a:pPr>
+            <a:r>
+              <a:rPr lang="he-IL" dirty="0" smtClean="0"/>
+              <a:t> </a:t>
+            </a:r>
+            <a:r>
+              <a:rPr lang="en-US" dirty="0" err="1" smtClean="0"/>
+              <a:t>set_params</a:t>
+            </a:r>
+            <a:r>
+              <a:rPr lang="en-US" dirty="0" smtClean="0"/>
+              <a:t>(high=1</a:t>
+            </a:r>
+            <a:r>
+              <a:rPr lang="en-US" dirty="0"/>
+              <a:t>, </a:t>
+            </a:r>
+            <a:r>
+              <a:rPr lang="en-US" dirty="0" err="1"/>
+              <a:t>allic</a:t>
+            </a:r>
+            <a:r>
+              <a:rPr lang="en-US" dirty="0"/>
+              <a:t>=0, duration=4000, </a:t>
+            </a:r>
+            <a:r>
+              <a:rPr lang="en-US" dirty="0" smtClean="0"/>
+              <a:t>power=3, </a:t>
+            </a:r>
+            <a:r>
+              <a:rPr lang="en-US" dirty="0" smtClean="0"/>
+              <a:t>channel=14)</a:t>
+            </a:r>
+            <a:endParaRPr lang="he-IL" dirty="0"/>
+          </a:p>
+          <a:p>
+            <a:pPr marL="0" indent="0" algn="r" rtl="1">
+              <a:buNone/>
+            </a:pPr>
+            <a:r>
+              <a:rPr lang="he-IL" dirty="0" smtClean="0"/>
+              <a:t> מאפשר בחירה של ערוץ 14</a:t>
+            </a:r>
+          </a:p>
+          <a:p>
+            <a:pPr marL="0" indent="0" algn="r" rtl="1">
+              <a:buNone/>
+            </a:pPr>
+            <a:endParaRPr lang="he-IL" dirty="0"/>
+          </a:p>
+          <a:p>
+            <a:pPr marL="0" indent="0" algn="r" rtl="1">
+              <a:buNone/>
+            </a:pPr>
+            <a:endParaRPr lang="he-IL" dirty="0" smtClean="0"/>
+          </a:p>
+        </p:txBody>
+      </p:sp>
+      <p:pic>
+        <p:nvPicPr>
+          <p:cNvPr id="8" name="תמונה 7"/>
+          <p:cNvPicPr>
+            <a:picLocks noChangeAspect="1"/>
+          </p:cNvPicPr>
+          <p:nvPr/>
+        </p:nvPicPr>
+        <p:blipFill>
+          <a:blip r:embed="rId2"/>
+          <a:stretch>
+            <a:fillRect/>
+          </a:stretch>
+        </p:blipFill>
+        <p:spPr>
+          <a:xfrm>
+            <a:off x="808383" y="3051754"/>
+            <a:ext cx="6026693" cy="3243518"/>
+          </a:xfrm>
+          <a:prstGeom prst="rect">
+            <a:avLst/>
+          </a:prstGeom>
+        </p:spPr>
+      </p:pic>
+      <p:sp>
+        <p:nvSpPr>
+          <p:cNvPr id="7" name="מלבן 6"/>
+          <p:cNvSpPr/>
+          <p:nvPr/>
+        </p:nvSpPr>
+        <p:spPr>
+          <a:xfrm>
+            <a:off x="7318978" y="5019803"/>
+            <a:ext cx="4306956" cy="923330"/>
+          </a:xfrm>
+          <a:prstGeom prst="rect">
+            <a:avLst/>
+          </a:prstGeom>
+        </p:spPr>
+        <p:txBody>
+          <a:bodyPr wrap="square">
+            <a:spAutoFit/>
+          </a:bodyPr>
+          <a:lstStyle/>
+          <a:p>
+            <a:r>
+              <a:rPr lang="en-US" dirty="0"/>
+              <a:t>GetParameters;13,6,1,0,4000,5,1,14</a:t>
+            </a:r>
+          </a:p>
+          <a:p>
+            <a:endParaRPr lang="en-US" dirty="0"/>
+          </a:p>
+          <a:p>
+            <a:r>
+              <a:rPr lang="en-US" dirty="0"/>
+              <a:t>GetMonitoringLaser;13,5,0,No Errors,-1,5,7</a:t>
+            </a:r>
+          </a:p>
+        </p:txBody>
+      </p:sp>
+    </p:spTree>
+    <p:extLst>
+      <p:ext uri="{BB962C8B-B14F-4D97-AF65-F5344CB8AC3E}">
+        <p14:creationId xmlns:p14="http://schemas.microsoft.com/office/powerpoint/2010/main" val="2185120883"/>
       </p:ext>
     </p:extLst>
   </p:cSld>
